--- a/IXIA_Guidelines__SVG.pptx
+++ b/IXIA_Guidelines__SVG.pptx
@@ -236,7 +236,7 @@
           <a:p>
             <a:fld id="{0207D077-3E49-4BD9-86E3-2B70AA2FEBDB}" type="datetimeFigureOut">
               <a:rPr lang="en-US" smtClean="0"/>
-              <a:t>12-Dec-17</a:t>
+              <a:t>10/13/2021</a:t>
             </a:fld>
             <a:endParaRPr lang="en-US"/>
           </a:p>
@@ -300,38 +300,37 @@
           <a:p>
             <a:pPr lvl="0"/>
             <a:r>
-              <a:rPr lang="en-US" smtClean="0"/>
+              <a:rPr lang="en-US"/>
               <a:t>Click to edit Master text styles</a:t>
             </a:r>
           </a:p>
           <a:p>
             <a:pPr lvl="1"/>
             <a:r>
-              <a:rPr lang="en-US" smtClean="0"/>
+              <a:rPr lang="en-US"/>
               <a:t>Second level</a:t>
             </a:r>
           </a:p>
           <a:p>
             <a:pPr lvl="2"/>
             <a:r>
-              <a:rPr lang="en-US" smtClean="0"/>
+              <a:rPr lang="en-US"/>
               <a:t>Third level</a:t>
             </a:r>
           </a:p>
           <a:p>
             <a:pPr lvl="3"/>
             <a:r>
-              <a:rPr lang="en-US" smtClean="0"/>
+              <a:rPr lang="en-US"/>
               <a:t>Fourth level</a:t>
             </a:r>
           </a:p>
           <a:p>
             <a:pPr lvl="4"/>
             <a:r>
-              <a:rPr lang="en-US" smtClean="0"/>
+              <a:rPr lang="en-US"/>
               <a:t>Fifth level</a:t>
             </a:r>
-            <a:endParaRPr lang="en-US"/>
           </a:p>
         </p:txBody>
       </p:sp>
@@ -1079,10 +1078,9 @@
           <a:lstStyle/>
           <a:p>
             <a:r>
-              <a:rPr lang="en-US" smtClean="0"/>
+              <a:rPr lang="en-US"/>
               <a:t>Click to edit Master title style</a:t>
             </a:r>
-            <a:endParaRPr lang="en-US"/>
           </a:p>
         </p:txBody>
       </p:sp>
@@ -1103,38 +1101,37 @@
           <a:p>
             <a:pPr lvl="0"/>
             <a:r>
-              <a:rPr lang="en-US" smtClean="0"/>
+              <a:rPr lang="en-US"/>
               <a:t>Click to edit Master text styles</a:t>
             </a:r>
           </a:p>
           <a:p>
             <a:pPr lvl="1"/>
             <a:r>
-              <a:rPr lang="en-US" smtClean="0"/>
+              <a:rPr lang="en-US"/>
               <a:t>Second level</a:t>
             </a:r>
           </a:p>
           <a:p>
             <a:pPr lvl="2"/>
             <a:r>
-              <a:rPr lang="en-US" smtClean="0"/>
+              <a:rPr lang="en-US"/>
               <a:t>Third level</a:t>
             </a:r>
           </a:p>
           <a:p>
             <a:pPr lvl="3"/>
             <a:r>
-              <a:rPr lang="en-US" smtClean="0"/>
+              <a:rPr lang="en-US"/>
               <a:t>Fourth level</a:t>
             </a:r>
           </a:p>
           <a:p>
             <a:pPr lvl="4"/>
             <a:r>
-              <a:rPr lang="en-US" smtClean="0"/>
+              <a:rPr lang="en-US"/>
               <a:t>Fifth level</a:t>
             </a:r>
-            <a:endParaRPr lang="en-US"/>
           </a:p>
         </p:txBody>
       </p:sp>
@@ -1158,7 +1155,7 @@
           </a:lstStyle>
           <a:p>
             <a:r>
-              <a:rPr lang="en-US" smtClean="0">
+              <a:rPr lang="en-US">
                 <a:solidFill>
                   <a:srgbClr val="000000"/>
                 </a:solidFill>
@@ -1193,18 +1190,13 @@
           </a:lstStyle>
           <a:p>
             <a:r>
-              <a:rPr lang="en-US" smtClean="0">
+              <a:rPr lang="en-US">
                 <a:solidFill>
                   <a:srgbClr val="000000"/>
                 </a:solidFill>
               </a:rPr>
               <a:t>Airspan Networks - CONFIDENTIAL</a:t>
             </a:r>
-            <a:endParaRPr lang="en-US">
-              <a:solidFill>
-                <a:srgbClr val="000000"/>
-              </a:solidFill>
-            </a:endParaRPr>
           </a:p>
         </p:txBody>
       </p:sp>
@@ -1218,13 +1210,6 @@
   <p:clrMapOvr>
     <a:masterClrMapping/>
   </p:clrMapOvr>
-  <p:timing>
-    <p:tnLst>
-      <p:par>
-        <p:cTn id="1" dur="indefinite" restart="never" nodeType="tmRoot"/>
-      </p:par>
-    </p:tnLst>
-  </p:timing>
 </p:sldLayout>
 </file>
 
@@ -1261,10 +1246,9 @@
           <a:lstStyle/>
           <a:p>
             <a:r>
-              <a:rPr lang="en-US" smtClean="0"/>
+              <a:rPr lang="en-US"/>
               <a:t>Click to edit Master title style</a:t>
             </a:r>
-            <a:endParaRPr lang="en-US"/>
           </a:p>
         </p:txBody>
       </p:sp>
@@ -1288,18 +1272,13 @@
           </a:lstStyle>
           <a:p>
             <a:r>
-              <a:rPr lang="en-US" smtClean="0">
+              <a:rPr lang="en-US">
                 <a:solidFill>
                   <a:srgbClr val="000000"/>
                 </a:solidFill>
               </a:rPr>
               <a:t>Dec 2017</a:t>
             </a:r>
-            <a:endParaRPr lang="en-US">
-              <a:solidFill>
-                <a:srgbClr val="000000"/>
-              </a:solidFill>
-            </a:endParaRPr>
           </a:p>
         </p:txBody>
       </p:sp>
@@ -1323,18 +1302,13 @@
           </a:lstStyle>
           <a:p>
             <a:r>
-              <a:rPr lang="en-US" smtClean="0">
+              <a:rPr lang="en-US">
                 <a:solidFill>
                   <a:srgbClr val="000000"/>
                 </a:solidFill>
               </a:rPr>
               <a:t>Airspan Networks - CONFIDENTIAL</a:t>
             </a:r>
-            <a:endParaRPr lang="en-US">
-              <a:solidFill>
-                <a:srgbClr val="000000"/>
-              </a:solidFill>
-            </a:endParaRPr>
           </a:p>
         </p:txBody>
       </p:sp>
@@ -1348,13 +1322,6 @@
   <p:clrMapOvr>
     <a:masterClrMapping/>
   </p:clrMapOvr>
-  <p:timing>
-    <p:tnLst>
-      <p:par>
-        <p:cTn id="1" dur="indefinite" restart="never" nodeType="tmRoot"/>
-      </p:par>
-    </p:tnLst>
-  </p:timing>
 </p:sldLayout>
 </file>
 
@@ -1489,18 +1456,13 @@
           </a:lstStyle>
           <a:p>
             <a:r>
-              <a:rPr lang="en-US" smtClean="0">
+              <a:rPr lang="en-US">
                 <a:solidFill>
                   <a:srgbClr val="000000"/>
                 </a:solidFill>
               </a:rPr>
               <a:t>Dec 2017</a:t>
             </a:r>
-            <a:endParaRPr lang="en-US">
-              <a:solidFill>
-                <a:srgbClr val="000000"/>
-              </a:solidFill>
-            </a:endParaRPr>
           </a:p>
         </p:txBody>
       </p:sp>
@@ -1569,18 +1531,13 @@
           </a:lstStyle>
           <a:p>
             <a:r>
-              <a:rPr lang="en-US" smtClean="0">
+              <a:rPr lang="en-US">
                 <a:solidFill>
                   <a:srgbClr val="000000"/>
                 </a:solidFill>
               </a:rPr>
               <a:t>Airspan Networks - CONFIDENTIAL</a:t>
             </a:r>
-            <a:endParaRPr lang="en-US">
-              <a:solidFill>
-                <a:srgbClr val="000000"/>
-              </a:solidFill>
-            </a:endParaRPr>
           </a:p>
         </p:txBody>
       </p:sp>
@@ -1646,7 +1603,7 @@
           <a:p>
             <a:pPr lvl="0"/>
             <a:r>
-              <a:rPr lang="en-US" smtClean="0"/>
+              <a:rPr lang="en-US"/>
               <a:t>Slide Title- Use Upper and Lower (Title) Case</a:t>
             </a:r>
           </a:p>
@@ -1714,35 +1671,35 @@
           <a:p>
             <a:pPr lvl="0"/>
             <a:r>
-              <a:rPr lang="en-US" smtClean="0"/>
+              <a:rPr lang="en-US"/>
               <a:t>Body Text - Sentence case, first letter caps with rest lower</a:t>
             </a:r>
           </a:p>
           <a:p>
             <a:pPr lvl="1"/>
             <a:r>
-              <a:rPr lang="en-US" smtClean="0"/>
+              <a:rPr lang="en-US"/>
               <a:t>do not stretch left side of box farther to the left or right, as the text will appear to jump when slides change</a:t>
             </a:r>
           </a:p>
           <a:p>
             <a:pPr lvl="2"/>
             <a:r>
-              <a:rPr lang="en-US" smtClean="0"/>
+              <a:rPr lang="en-US"/>
               <a:t>Third Level</a:t>
             </a:r>
           </a:p>
           <a:p>
             <a:pPr lvl="3"/>
             <a:r>
-              <a:rPr lang="en-US" smtClean="0"/>
+              <a:rPr lang="en-US"/>
               <a:t>Fourth Level</a:t>
             </a:r>
           </a:p>
           <a:p>
             <a:pPr lvl="4"/>
             <a:r>
-              <a:rPr lang="en-US" smtClean="0"/>
+              <a:rPr lang="en-US"/>
               <a:t>Fifth Level</a:t>
             </a:r>
           </a:p>
@@ -1908,13 +1865,6 @@
     <p:sldLayoutId id="2147483661" r:id="rId1"/>
     <p:sldLayoutId id="2147483662" r:id="rId2"/>
   </p:sldLayoutIdLst>
-  <p:timing>
-    <p:tnLst>
-      <p:par>
-        <p:cTn id="1" dur="indefinite" restart="never" nodeType="tmRoot"/>
-      </p:par>
-    </p:tnLst>
-  </p:timing>
   <p:hf sldNum="0" hdr="0"/>
   <p:txStyles>
     <p:titleStyle>
@@ -2508,10 +2458,9 @@
           <a:lstStyle/>
           <a:p>
             <a:r>
-              <a:rPr lang="en-US" dirty="0" smtClean="0"/>
+              <a:rPr lang="en-US" dirty="0"/>
               <a:t>SVG Airspan</a:t>
             </a:r>
-            <a:endParaRPr lang="en-US" dirty="0"/>
           </a:p>
         </p:txBody>
       </p:sp>
@@ -2531,7 +2480,7 @@
           <a:lstStyle/>
           <a:p>
             <a:r>
-              <a:rPr lang="en-US" b="1" smtClean="0">
+              <a:rPr lang="en-US" b="1">
                 <a:solidFill>
                   <a:srgbClr val="0000FF"/>
                 </a:solidFill>
@@ -2562,10 +2511,9 @@
           <a:lstStyle/>
           <a:p>
             <a:r>
-              <a:rPr lang="en-US" dirty="0" smtClean="0"/>
+              <a:rPr lang="en-US" dirty="0"/>
               <a:t>Airspan Networks - CONFIDENTIAL</a:t>
             </a:r>
-            <a:endParaRPr lang="en-US" dirty="0"/>
           </a:p>
         </p:txBody>
       </p:sp>
@@ -2588,18 +2536,6 @@
         <p:txBody>
           <a:bodyPr/>
           <a:lstStyle/>
-          <a:p>
-            <a:endParaRPr lang="en-US" dirty="0" smtClean="0">
-              <a:solidFill>
-                <a:srgbClr val="009999"/>
-              </a:solidFill>
-              <a:effectLst>
-                <a:outerShdw blurRad="38100" dist="38100" dir="2700000" algn="tl">
-                  <a:srgbClr val="C0C0C0"/>
-                </a:outerShdw>
-              </a:effectLst>
-            </a:endParaRPr>
-          </a:p>
           <a:p>
             <a:endParaRPr lang="en-US" dirty="0">
               <a:solidFill>
@@ -2613,18 +2549,6 @@
             </a:endParaRPr>
           </a:p>
           <a:p>
-            <a:endParaRPr lang="en-US" dirty="0" smtClean="0">
-              <a:solidFill>
-                <a:srgbClr val="009999"/>
-              </a:solidFill>
-              <a:effectLst>
-                <a:outerShdw blurRad="38100" dist="38100" dir="2700000" algn="tl">
-                  <a:srgbClr val="C0C0C0"/>
-                </a:outerShdw>
-              </a:effectLst>
-            </a:endParaRPr>
-          </a:p>
-          <a:p>
             <a:endParaRPr lang="en-US" dirty="0">
               <a:solidFill>
                 <a:srgbClr val="009999"/>
@@ -2637,18 +2561,6 @@
             </a:endParaRPr>
           </a:p>
           <a:p>
-            <a:endParaRPr lang="en-US" dirty="0" smtClean="0">
-              <a:solidFill>
-                <a:srgbClr val="009999"/>
-              </a:solidFill>
-              <a:effectLst>
-                <a:outerShdw blurRad="38100" dist="38100" dir="2700000" algn="tl">
-                  <a:srgbClr val="C0C0C0"/>
-                </a:outerShdw>
-              </a:effectLst>
-            </a:endParaRPr>
-          </a:p>
-          <a:p>
             <a:endParaRPr lang="en-US" dirty="0">
               <a:solidFill>
                 <a:srgbClr val="009999"/>
@@ -2661,7 +2573,7 @@
             </a:endParaRPr>
           </a:p>
           <a:p>
-            <a:endParaRPr lang="en-US" dirty="0" smtClean="0">
+            <a:endParaRPr lang="en-US" dirty="0">
               <a:solidFill>
                 <a:srgbClr val="009999"/>
               </a:solidFill>
@@ -2673,101 +2585,7 @@
             </a:endParaRPr>
           </a:p>
           <a:p>
-            <a:r>
-              <a:rPr lang="en-US" dirty="0" smtClean="0">
-                <a:solidFill>
-                  <a:srgbClr val="009999"/>
-                </a:solidFill>
-                <a:effectLst>
-                  <a:outerShdw blurRad="38100" dist="38100" dir="2700000" algn="tl">
-                    <a:srgbClr val="C0C0C0"/>
-                  </a:outerShdw>
-                </a:effectLst>
-              </a:rPr>
-              <a:t>IXIA – Guidelines for SVG</a:t>
-            </a:r>
-            <a:r>
-              <a:rPr lang="en-US" dirty="0">
-                <a:solidFill>
-                  <a:srgbClr val="009999"/>
-                </a:solidFill>
-                <a:effectLst>
-                  <a:outerShdw blurRad="38100" dist="38100" dir="2700000" algn="tl">
-                    <a:srgbClr val="C0C0C0"/>
-                  </a:outerShdw>
-                </a:effectLst>
-              </a:rPr>
-              <a:t/>
-            </a:r>
-            <a:br>
-              <a:rPr lang="en-US" dirty="0">
-                <a:solidFill>
-                  <a:srgbClr val="009999"/>
-                </a:solidFill>
-                <a:effectLst>
-                  <a:outerShdw blurRad="38100" dist="38100" dir="2700000" algn="tl">
-                    <a:srgbClr val="C0C0C0"/>
-                  </a:outerShdw>
-                </a:effectLst>
-              </a:rPr>
-            </a:br>
-            <a:r>
-              <a:rPr lang="en-US" sz="1200" dirty="0">
-                <a:solidFill>
-                  <a:srgbClr val="009999"/>
-                </a:solidFill>
-                <a:effectLst>
-                  <a:outerShdw blurRad="38100" dist="38100" dir="2700000" algn="tl">
-                    <a:srgbClr val="C0C0C0"/>
-                  </a:outerShdw>
-                </a:effectLst>
-              </a:rPr>
-              <a:t>Tomer </a:t>
-            </a:r>
-            <a:r>
-              <a:rPr lang="en-US" sz="1200" dirty="0" smtClean="0">
-                <a:solidFill>
-                  <a:srgbClr val="009999"/>
-                </a:solidFill>
-                <a:effectLst>
-                  <a:outerShdw blurRad="38100" dist="38100" dir="2700000" algn="tl">
-                    <a:srgbClr val="C0C0C0"/>
-                  </a:outerShdw>
-                </a:effectLst>
-              </a:rPr>
-              <a:t>Nahmady</a:t>
-            </a:r>
-          </a:p>
-          <a:p>
-            <a:r>
-              <a:rPr lang="en-US" sz="1200" dirty="0">
-                <a:solidFill>
-                  <a:srgbClr val="009999"/>
-                </a:solidFill>
-                <a:effectLst>
-                  <a:outerShdw blurRad="38100" dist="38100" dir="2700000" algn="tl">
-                    <a:srgbClr val="C0C0C0"/>
-                  </a:outerShdw>
-                </a:effectLst>
-                <a:hlinkClick r:id="rId5"/>
-              </a:rPr>
-              <a:t>t</a:t>
-            </a:r>
-            <a:r>
-              <a:rPr lang="en-US" sz="1200" dirty="0" smtClean="0">
-                <a:solidFill>
-                  <a:srgbClr val="009999"/>
-                </a:solidFill>
-                <a:effectLst>
-                  <a:outerShdw blurRad="38100" dist="38100" dir="2700000" algn="tl">
-                    <a:srgbClr val="C0C0C0"/>
-                  </a:outerShdw>
-                </a:effectLst>
-                <a:hlinkClick r:id="rId5"/>
-              </a:rPr>
-              <a:t>nahmady@Airspan.com</a:t>
-            </a:r>
-            <a:endParaRPr lang="en-US" sz="1200" dirty="0" smtClean="0">
+            <a:endParaRPr lang="en-US" dirty="0">
               <a:solidFill>
                 <a:srgbClr val="009999"/>
               </a:solidFill>
@@ -2779,11 +2597,32 @@
             </a:endParaRPr>
           </a:p>
           <a:p>
-            <a:pPr marL="0" indent="0">
-              <a:buNone/>
-            </a:pPr>
-            <a:r>
-              <a:rPr lang="en-US" sz="1200" dirty="0">
+            <a:endParaRPr lang="en-US" dirty="0">
+              <a:solidFill>
+                <a:srgbClr val="009999"/>
+              </a:solidFill>
+              <a:effectLst>
+                <a:outerShdw blurRad="38100" dist="38100" dir="2700000" algn="tl">
+                  <a:srgbClr val="C0C0C0"/>
+                </a:outerShdw>
+              </a:effectLst>
+            </a:endParaRPr>
+          </a:p>
+          <a:p>
+            <a:endParaRPr lang="en-US" dirty="0">
+              <a:solidFill>
+                <a:srgbClr val="009999"/>
+              </a:solidFill>
+              <a:effectLst>
+                <a:outerShdw blurRad="38100" dist="38100" dir="2700000" algn="tl">
+                  <a:srgbClr val="C0C0C0"/>
+                </a:outerShdw>
+              </a:effectLst>
+            </a:endParaRPr>
+          </a:p>
+          <a:p>
+            <a:r>
+              <a:rPr lang="en-US" dirty="0">
                 <a:solidFill>
                   <a:srgbClr val="009999"/>
                 </a:solidFill>
@@ -2793,8 +2632,64 @@
                   </a:outerShdw>
                 </a:effectLst>
               </a:rPr>
-              <a:t/>
-            </a:r>
+              <a:t>IXIA – Guidelines for SVG</a:t>
+            </a:r>
+            <a:br>
+              <a:rPr lang="en-US" dirty="0">
+                <a:solidFill>
+                  <a:srgbClr val="009999"/>
+                </a:solidFill>
+                <a:effectLst>
+                  <a:outerShdw blurRad="38100" dist="38100" dir="2700000" algn="tl">
+                    <a:srgbClr val="C0C0C0"/>
+                  </a:outerShdw>
+                </a:effectLst>
+              </a:rPr>
+            </a:br>
+            <a:r>
+              <a:rPr lang="en-US" sz="1200" dirty="0">
+                <a:solidFill>
+                  <a:srgbClr val="009999"/>
+                </a:solidFill>
+                <a:effectLst>
+                  <a:outerShdw blurRad="38100" dist="38100" dir="2700000" algn="tl">
+                    <a:srgbClr val="C0C0C0"/>
+                  </a:outerShdw>
+                </a:effectLst>
+              </a:rPr>
+              <a:t>Tomer Nahmady</a:t>
+            </a:r>
+          </a:p>
+          <a:p>
+            <a:r>
+              <a:rPr lang="en-US" sz="1200" dirty="0">
+                <a:solidFill>
+                  <a:srgbClr val="009999"/>
+                </a:solidFill>
+                <a:effectLst>
+                  <a:outerShdw blurRad="38100" dist="38100" dir="2700000" algn="tl">
+                    <a:srgbClr val="C0C0C0"/>
+                  </a:outerShdw>
+                </a:effectLst>
+                <a:hlinkClick r:id="rId5"/>
+              </a:rPr>
+              <a:t>tnahmady@Airspan.com</a:t>
+            </a:r>
+            <a:endParaRPr lang="en-US" sz="1200" dirty="0">
+              <a:solidFill>
+                <a:srgbClr val="009999"/>
+              </a:solidFill>
+              <a:effectLst>
+                <a:outerShdw blurRad="38100" dist="38100" dir="2700000" algn="tl">
+                  <a:srgbClr val="C0C0C0"/>
+                </a:outerShdw>
+              </a:effectLst>
+            </a:endParaRPr>
+          </a:p>
+          <a:p>
+            <a:pPr marL="0" indent="0">
+              <a:buNone/>
+            </a:pPr>
             <a:br>
               <a:rPr lang="en-US" sz="1200" dirty="0">
                 <a:solidFill>
@@ -2878,13 +2773,6 @@
   <p:clrMapOvr>
     <a:masterClrMapping/>
   </p:clrMapOvr>
-  <p:timing>
-    <p:tnLst>
-      <p:par>
-        <p:cTn id="1" dur="indefinite" restart="never" nodeType="tmRoot"/>
-      </p:par>
-    </p:tnLst>
-  </p:timing>
 </p:sld>
 </file>
 
@@ -2921,76 +2809,61 @@
           <a:lstStyle/>
           <a:p>
             <a:r>
-              <a:rPr lang="en-US" dirty="0" smtClean="0"/>
+              <a:rPr lang="en-US" dirty="0"/>
               <a:t>Set up Preparations </a:t>
             </a:r>
+          </a:p>
+        </p:txBody>
+      </p:sp>
+      <p:sp>
+        <p:nvSpPr>
+          <p:cNvPr id="5" name="Content Placeholder 4"/>
+          <p:cNvSpPr>
+            <a:spLocks noGrp="1"/>
+          </p:cNvSpPr>
+          <p:nvPr>
+            <p:ph idx="1"/>
+          </p:nvPr>
+        </p:nvSpPr>
+        <p:spPr/>
+        <p:txBody>
+          <a:bodyPr/>
+          <a:lstStyle/>
+          <a:p>
             <a:endParaRPr lang="en-US" dirty="0"/>
           </a:p>
-        </p:txBody>
-      </p:sp>
-      <p:sp>
-        <p:nvSpPr>
-          <p:cNvPr id="5" name="Content Placeholder 4"/>
-          <p:cNvSpPr>
-            <a:spLocks noGrp="1"/>
-          </p:cNvSpPr>
-          <p:nvPr>
-            <p:ph idx="1"/>
-          </p:nvPr>
-        </p:nvSpPr>
-        <p:spPr/>
-        <p:txBody>
-          <a:bodyPr/>
-          <a:lstStyle/>
-          <a:p>
-            <a:endParaRPr lang="en-US" dirty="0" smtClean="0"/>
-          </a:p>
           <a:p>
             <a:endParaRPr lang="en-US" dirty="0"/>
           </a:p>
           <a:p>
             <a:r>
-              <a:rPr lang="en-US" dirty="0" smtClean="0"/>
-              <a:t>You </a:t>
-            </a:r>
-            <a:r>
-              <a:rPr lang="en-US" dirty="0" smtClean="0"/>
-              <a:t>can take an existing file and make adaptations to your setup</a:t>
-            </a:r>
-            <a:r>
-              <a:rPr lang="en-US" dirty="0" smtClean="0"/>
-              <a:t>.</a:t>
-            </a:r>
-          </a:p>
-          <a:p>
-            <a:r>
-              <a:rPr lang="en-US" dirty="0" smtClean="0"/>
+              <a:rPr lang="en-US" dirty="0"/>
+              <a:t>You can take an existing file and make adaptations to your setup.</a:t>
+            </a:r>
+          </a:p>
+          <a:p>
+            <a:r>
+              <a:rPr lang="en-US" dirty="0"/>
               <a:t>Use Set up allocated </a:t>
             </a:r>
             <a:r>
-              <a:rPr lang="en-US" dirty="0" err="1" smtClean="0"/>
+              <a:rPr lang="en-US" dirty="0" err="1"/>
               <a:t>Vlans</a:t>
             </a:r>
             <a:r>
-              <a:rPr lang="en-US" dirty="0" smtClean="0"/>
+              <a:rPr lang="en-US" dirty="0"/>
               <a:t> and IP addresses.</a:t>
             </a:r>
-            <a:endParaRPr lang="en-US" dirty="0" smtClean="0"/>
-          </a:p>
-          <a:p>
-            <a:r>
-              <a:rPr lang="en-US" dirty="0" smtClean="0"/>
-              <a:t>Verify you have an excellent radio link between the UE and the </a:t>
-            </a:r>
-            <a:r>
-              <a:rPr lang="en-US" dirty="0" smtClean="0"/>
-              <a:t>enodeB (to achieve MAX Throughput).</a:t>
-            </a:r>
-            <a:endParaRPr lang="en-US" dirty="0" smtClean="0"/>
-          </a:p>
-          <a:p>
-            <a:r>
-              <a:rPr lang="en-US" dirty="0" smtClean="0"/>
+          </a:p>
+          <a:p>
+            <a:r>
+              <a:rPr lang="en-US" dirty="0"/>
+              <a:t>Verify you have an excellent radio link between the UE and the enodeB (to achieve MAX Throughput).</a:t>
+            </a:r>
+          </a:p>
+          <a:p>
+            <a:r>
+              <a:rPr lang="en-US" dirty="0"/>
               <a:t>Test your Setup with STC ( using UDP traffic) before. Normally TCP rate achieves around 95% of UDP.</a:t>
             </a:r>
           </a:p>
@@ -3015,18 +2888,13 @@
           <a:lstStyle/>
           <a:p>
             <a:r>
-              <a:rPr lang="en-US" smtClean="0">
+              <a:rPr lang="en-US">
                 <a:solidFill>
                   <a:srgbClr val="000000"/>
                 </a:solidFill>
               </a:rPr>
               <a:t>Dec 2017</a:t>
             </a:r>
-            <a:endParaRPr lang="en-US">
-              <a:solidFill>
-                <a:srgbClr val="000000"/>
-              </a:solidFill>
-            </a:endParaRPr>
           </a:p>
         </p:txBody>
       </p:sp>
@@ -3046,18 +2914,13 @@
           <a:lstStyle/>
           <a:p>
             <a:r>
-              <a:rPr lang="en-US" smtClean="0">
+              <a:rPr lang="en-US">
                 <a:solidFill>
                   <a:srgbClr val="000000"/>
                 </a:solidFill>
               </a:rPr>
               <a:t>Airspan Networks - CONFIDENTIAL</a:t>
             </a:r>
-            <a:endParaRPr lang="en-US">
-              <a:solidFill>
-                <a:srgbClr val="000000"/>
-              </a:solidFill>
-            </a:endParaRPr>
           </a:p>
         </p:txBody>
       </p:sp>
@@ -3107,10 +2970,9 @@
           <a:lstStyle/>
           <a:p>
             <a:r>
-              <a:rPr lang="en-US" dirty="0" smtClean="0"/>
+              <a:rPr lang="en-US" dirty="0"/>
               <a:t>IXIA Configuration</a:t>
             </a:r>
-            <a:endParaRPr lang="en-US" dirty="0"/>
           </a:p>
         </p:txBody>
       </p:sp>
@@ -3130,18 +2992,9 @@
           <a:lstStyle/>
           <a:p>
             <a:r>
-              <a:rPr lang="en-US" dirty="0" smtClean="0"/>
-              <a:t>Port assignment:  1.2.4 network 1 Client ; 1.2.3 </a:t>
-            </a:r>
-            <a:r>
-              <a:rPr lang="en-US" dirty="0"/>
-              <a:t>network </a:t>
-            </a:r>
-            <a:r>
-              <a:rPr lang="en-US" dirty="0" smtClean="0"/>
-              <a:t>2 Server </a:t>
-            </a:r>
-            <a:endParaRPr lang="en-US" dirty="0"/>
+              <a:rPr lang="en-US" dirty="0"/>
+              <a:t>Port assignment:  1.2.4 network 1 Client ; 1.2.3 network 2 Server </a:t>
+            </a:r>
           </a:p>
         </p:txBody>
       </p:sp>
@@ -3161,18 +3014,13 @@
           <a:lstStyle/>
           <a:p>
             <a:r>
-              <a:rPr lang="en-US" smtClean="0">
+              <a:rPr lang="en-US">
                 <a:solidFill>
                   <a:srgbClr val="000000"/>
                 </a:solidFill>
               </a:rPr>
               <a:t>Dec 2017</a:t>
             </a:r>
-            <a:endParaRPr lang="en-US">
-              <a:solidFill>
-                <a:srgbClr val="000000"/>
-              </a:solidFill>
-            </a:endParaRPr>
           </a:p>
         </p:txBody>
       </p:sp>
@@ -3192,18 +3040,13 @@
           <a:lstStyle/>
           <a:p>
             <a:r>
-              <a:rPr lang="en-US" smtClean="0">
+              <a:rPr lang="en-US">
                 <a:solidFill>
                   <a:srgbClr val="000000"/>
                 </a:solidFill>
               </a:rPr>
               <a:t>Airspan Networks - CONFIDENTIAL</a:t>
             </a:r>
-            <a:endParaRPr lang="en-US">
-              <a:solidFill>
-                <a:srgbClr val="000000"/>
-              </a:solidFill>
-            </a:endParaRPr>
           </a:p>
         </p:txBody>
       </p:sp>
@@ -3277,10 +3120,9 @@
           <a:lstStyle/>
           <a:p>
             <a:r>
-              <a:rPr lang="en-US" dirty="0" smtClean="0"/>
+              <a:rPr lang="en-US" dirty="0"/>
               <a:t>IXIA Configuration</a:t>
             </a:r>
-            <a:endParaRPr lang="en-US" dirty="0"/>
           </a:p>
         </p:txBody>
       </p:sp>
@@ -3300,10 +3142,9 @@
           <a:lstStyle/>
           <a:p>
             <a:r>
-              <a:rPr lang="en-US" dirty="0" smtClean="0"/>
+              <a:rPr lang="en-US" dirty="0"/>
               <a:t>Client and Server:</a:t>
             </a:r>
-            <a:endParaRPr lang="en-US" dirty="0"/>
           </a:p>
         </p:txBody>
       </p:sp>
@@ -3323,18 +3164,13 @@
           <a:lstStyle/>
           <a:p>
             <a:r>
-              <a:rPr lang="en-US" smtClean="0">
+              <a:rPr lang="en-US">
                 <a:solidFill>
                   <a:srgbClr val="000000"/>
                 </a:solidFill>
               </a:rPr>
               <a:t>Dec 2017</a:t>
             </a:r>
-            <a:endParaRPr lang="en-US">
-              <a:solidFill>
-                <a:srgbClr val="000000"/>
-              </a:solidFill>
-            </a:endParaRPr>
           </a:p>
         </p:txBody>
       </p:sp>
@@ -3354,18 +3190,13 @@
           <a:lstStyle/>
           <a:p>
             <a:r>
-              <a:rPr lang="en-US" smtClean="0">
+              <a:rPr lang="en-US">
                 <a:solidFill>
                   <a:srgbClr val="000000"/>
                 </a:solidFill>
               </a:rPr>
               <a:t>Airspan Networks - CONFIDENTIAL</a:t>
             </a:r>
-            <a:endParaRPr lang="en-US">
-              <a:solidFill>
-                <a:srgbClr val="000000"/>
-              </a:solidFill>
-            </a:endParaRPr>
           </a:p>
         </p:txBody>
       </p:sp>
@@ -3439,10 +3270,9 @@
           <a:lstStyle/>
           <a:p>
             <a:r>
-              <a:rPr lang="en-US" dirty="0" smtClean="0"/>
+              <a:rPr lang="en-US" dirty="0"/>
               <a:t>IXIA Configuration</a:t>
             </a:r>
-            <a:endParaRPr lang="en-US" dirty="0"/>
           </a:p>
         </p:txBody>
       </p:sp>
@@ -3462,10 +3292,9 @@
           <a:lstStyle/>
           <a:p>
             <a:r>
-              <a:rPr lang="en-US" dirty="0" smtClean="0"/>
+              <a:rPr lang="en-US" dirty="0"/>
               <a:t>Client Network configuration:</a:t>
             </a:r>
-            <a:endParaRPr lang="en-US" dirty="0"/>
           </a:p>
         </p:txBody>
       </p:sp>
@@ -3485,18 +3314,13 @@
           <a:lstStyle/>
           <a:p>
             <a:r>
-              <a:rPr lang="en-US" smtClean="0">
+              <a:rPr lang="en-US">
                 <a:solidFill>
                   <a:srgbClr val="000000"/>
                 </a:solidFill>
               </a:rPr>
               <a:t>Dec 2017</a:t>
             </a:r>
-            <a:endParaRPr lang="en-US">
-              <a:solidFill>
-                <a:srgbClr val="000000"/>
-              </a:solidFill>
-            </a:endParaRPr>
           </a:p>
         </p:txBody>
       </p:sp>
@@ -3516,18 +3340,13 @@
           <a:lstStyle/>
           <a:p>
             <a:r>
-              <a:rPr lang="en-US" smtClean="0">
+              <a:rPr lang="en-US">
                 <a:solidFill>
                   <a:srgbClr val="000000"/>
                 </a:solidFill>
               </a:rPr>
               <a:t>Airspan Networks - CONFIDENTIAL</a:t>
             </a:r>
-            <a:endParaRPr lang="en-US">
-              <a:solidFill>
-                <a:srgbClr val="000000"/>
-              </a:solidFill>
-            </a:endParaRPr>
           </a:p>
         </p:txBody>
       </p:sp>
@@ -3649,10 +3468,9 @@
           <a:lstStyle/>
           <a:p>
             <a:r>
-              <a:rPr lang="en-US" dirty="0" smtClean="0"/>
+              <a:rPr lang="en-US" dirty="0"/>
               <a:t>IXIA Configuration</a:t>
             </a:r>
-            <a:endParaRPr lang="en-US" dirty="0"/>
           </a:p>
         </p:txBody>
       </p:sp>
@@ -3672,18 +3490,9 @@
           <a:lstStyle/>
           <a:p>
             <a:r>
-              <a:rPr lang="en-US" dirty="0" smtClean="0"/>
-              <a:t>Server </a:t>
-            </a:r>
-            <a:r>
-              <a:rPr lang="en-US" dirty="0"/>
-              <a:t>Network configuration </a:t>
-            </a:r>
-            <a:r>
-              <a:rPr lang="en-US" dirty="0" smtClean="0"/>
-              <a:t>:</a:t>
-            </a:r>
-            <a:endParaRPr lang="en-US" dirty="0"/>
+              <a:rPr lang="en-US" dirty="0"/>
+              <a:t>Server Network configuration :</a:t>
+            </a:r>
           </a:p>
         </p:txBody>
       </p:sp>
@@ -3703,18 +3512,13 @@
           <a:lstStyle/>
           <a:p>
             <a:r>
-              <a:rPr lang="en-US" smtClean="0">
+              <a:rPr lang="en-US">
                 <a:solidFill>
                   <a:srgbClr val="000000"/>
                 </a:solidFill>
               </a:rPr>
               <a:t>Dec 2017</a:t>
             </a:r>
-            <a:endParaRPr lang="en-US">
-              <a:solidFill>
-                <a:srgbClr val="000000"/>
-              </a:solidFill>
-            </a:endParaRPr>
           </a:p>
         </p:txBody>
       </p:sp>
@@ -3734,18 +3538,13 @@
           <a:lstStyle/>
           <a:p>
             <a:r>
-              <a:rPr lang="en-US" smtClean="0">
+              <a:rPr lang="en-US">
                 <a:solidFill>
                   <a:srgbClr val="000000"/>
                 </a:solidFill>
               </a:rPr>
               <a:t>Airspan Networks - CONFIDENTIAL</a:t>
             </a:r>
-            <a:endParaRPr lang="en-US">
-              <a:solidFill>
-                <a:srgbClr val="000000"/>
-              </a:solidFill>
-            </a:endParaRPr>
           </a:p>
         </p:txBody>
       </p:sp>
@@ -3819,10 +3618,9 @@
           <a:lstStyle/>
           <a:p>
             <a:r>
-              <a:rPr lang="en-US" dirty="0" smtClean="0"/>
+              <a:rPr lang="en-US" dirty="0"/>
               <a:t>IXIA Configuration</a:t>
             </a:r>
-            <a:endParaRPr lang="en-US" dirty="0"/>
           </a:p>
         </p:txBody>
       </p:sp>
@@ -3842,10 +3640,9 @@
           <a:lstStyle/>
           <a:p>
             <a:r>
-              <a:rPr lang="en-US" dirty="0" smtClean="0"/>
+              <a:rPr lang="en-US" dirty="0"/>
               <a:t>TCP Parameters configuration Defaults:</a:t>
             </a:r>
-            <a:endParaRPr lang="en-US" dirty="0"/>
           </a:p>
         </p:txBody>
       </p:sp>
@@ -3865,18 +3662,13 @@
           <a:lstStyle/>
           <a:p>
             <a:r>
-              <a:rPr lang="en-US" smtClean="0">
+              <a:rPr lang="en-US">
                 <a:solidFill>
                   <a:srgbClr val="000000"/>
                 </a:solidFill>
               </a:rPr>
               <a:t>Dec 2017</a:t>
             </a:r>
-            <a:endParaRPr lang="en-US">
-              <a:solidFill>
-                <a:srgbClr val="000000"/>
-              </a:solidFill>
-            </a:endParaRPr>
           </a:p>
         </p:txBody>
       </p:sp>
@@ -3896,18 +3688,13 @@
           <a:lstStyle/>
           <a:p>
             <a:r>
-              <a:rPr lang="en-US" smtClean="0">
+              <a:rPr lang="en-US">
                 <a:solidFill>
                   <a:srgbClr val="000000"/>
                 </a:solidFill>
               </a:rPr>
               <a:t>Airspan Networks - CONFIDENTIAL</a:t>
             </a:r>
-            <a:endParaRPr lang="en-US">
-              <a:solidFill>
-                <a:srgbClr val="000000"/>
-              </a:solidFill>
-            </a:endParaRPr>
           </a:p>
         </p:txBody>
       </p:sp>
@@ -3981,10 +3768,9 @@
           <a:lstStyle/>
           <a:p>
             <a:r>
-              <a:rPr lang="en-US" dirty="0" smtClean="0"/>
+              <a:rPr lang="en-US" dirty="0"/>
               <a:t>IXIA Configuration</a:t>
             </a:r>
-            <a:endParaRPr lang="en-US" dirty="0"/>
           </a:p>
         </p:txBody>
       </p:sp>
@@ -4004,10 +3790,9 @@
           <a:lstStyle/>
           <a:p>
             <a:r>
-              <a:rPr lang="en-US" dirty="0" smtClean="0"/>
+              <a:rPr lang="en-US" dirty="0"/>
               <a:t>Configuration of Download (Get) and Files size:</a:t>
             </a:r>
-            <a:endParaRPr lang="en-US" dirty="0"/>
           </a:p>
         </p:txBody>
       </p:sp>
@@ -4027,7 +3812,7 @@
           <a:lstStyle/>
           <a:p>
             <a:r>
-              <a:rPr lang="en-US" smtClean="0">
+              <a:rPr lang="en-US">
                 <a:solidFill>
                   <a:srgbClr val="000000"/>
                 </a:solidFill>
@@ -4058,18 +3843,13 @@
           <a:lstStyle/>
           <a:p>
             <a:r>
-              <a:rPr lang="en-US" smtClean="0">
+              <a:rPr lang="en-US">
                 <a:solidFill>
                   <a:srgbClr val="000000"/>
                 </a:solidFill>
               </a:rPr>
               <a:t>Airspan Networks - CONFIDENTIAL</a:t>
             </a:r>
-            <a:endParaRPr lang="en-US">
-              <a:solidFill>
-                <a:srgbClr val="000000"/>
-              </a:solidFill>
-            </a:endParaRPr>
           </a:p>
         </p:txBody>
       </p:sp>
@@ -4143,10 +3923,9 @@
           <a:lstStyle/>
           <a:p>
             <a:r>
-              <a:rPr lang="en-US" dirty="0" smtClean="0"/>
+              <a:rPr lang="en-US" dirty="0"/>
               <a:t>IXIA Configuration</a:t>
             </a:r>
-            <a:endParaRPr lang="en-US" dirty="0"/>
           </a:p>
         </p:txBody>
       </p:sp>
@@ -4166,10 +3945,9 @@
           <a:lstStyle/>
           <a:p>
             <a:r>
-              <a:rPr lang="en-US" dirty="0" smtClean="0"/>
+              <a:rPr lang="en-US" dirty="0"/>
               <a:t>Configuration of Download (Get) and Files size:</a:t>
             </a:r>
-            <a:endParaRPr lang="en-US" dirty="0"/>
           </a:p>
         </p:txBody>
       </p:sp>
@@ -4189,7 +3967,7 @@
           <a:lstStyle/>
           <a:p>
             <a:r>
-              <a:rPr lang="en-US" smtClean="0">
+              <a:rPr lang="en-US">
                 <a:solidFill>
                   <a:srgbClr val="000000"/>
                 </a:solidFill>
@@ -4220,18 +3998,13 @@
           <a:lstStyle/>
           <a:p>
             <a:r>
-              <a:rPr lang="en-US" smtClean="0">
+              <a:rPr lang="en-US">
                 <a:solidFill>
                   <a:srgbClr val="000000"/>
                 </a:solidFill>
               </a:rPr>
               <a:t>Airspan Networks - CONFIDENTIAL</a:t>
             </a:r>
-            <a:endParaRPr lang="en-US">
-              <a:solidFill>
-                <a:srgbClr val="000000"/>
-              </a:solidFill>
-            </a:endParaRPr>
           </a:p>
         </p:txBody>
       </p:sp>
@@ -4305,10 +4078,9 @@
           <a:lstStyle/>
           <a:p>
             <a:r>
-              <a:rPr lang="en-US" dirty="0" smtClean="0"/>
+              <a:rPr lang="en-US" dirty="0"/>
               <a:t>IXIA Configuration</a:t>
             </a:r>
-            <a:endParaRPr lang="en-US" dirty="0"/>
           </a:p>
         </p:txBody>
       </p:sp>
@@ -4328,12 +4100,8 @@
           <a:lstStyle/>
           <a:p>
             <a:r>
-              <a:rPr lang="en-US" dirty="0" smtClean="0"/>
-              <a:t>Client </a:t>
-            </a:r>
-            <a:r>
-              <a:rPr lang="en-US" dirty="0"/>
-              <a:t>– which networks that will be used:</a:t>
+              <a:rPr lang="en-US" dirty="0"/>
+              <a:t>Client – which networks that will be used:</a:t>
             </a:r>
           </a:p>
         </p:txBody>
@@ -4354,7 +4122,7 @@
           <a:lstStyle/>
           <a:p>
             <a:r>
-              <a:rPr lang="en-US" smtClean="0">
+              <a:rPr lang="en-US">
                 <a:solidFill>
                   <a:srgbClr val="000000"/>
                 </a:solidFill>
@@ -4385,18 +4153,13 @@
           <a:lstStyle/>
           <a:p>
             <a:r>
-              <a:rPr lang="en-US" smtClean="0">
+              <a:rPr lang="en-US">
                 <a:solidFill>
                   <a:srgbClr val="000000"/>
                 </a:solidFill>
               </a:rPr>
               <a:t>Airspan Networks - CONFIDENTIAL</a:t>
             </a:r>
-            <a:endParaRPr lang="en-US">
-              <a:solidFill>
-                <a:srgbClr val="000000"/>
-              </a:solidFill>
-            </a:endParaRPr>
           </a:p>
         </p:txBody>
       </p:sp>
@@ -4470,10 +4233,9 @@
           <a:lstStyle/>
           <a:p>
             <a:r>
-              <a:rPr lang="en-US" dirty="0" smtClean="0"/>
+              <a:rPr lang="en-US" dirty="0"/>
               <a:t>IXIA Configuration</a:t>
             </a:r>
-            <a:endParaRPr lang="en-US" dirty="0"/>
           </a:p>
         </p:txBody>
       </p:sp>
@@ -4493,10 +4255,9 @@
           <a:lstStyle/>
           <a:p>
             <a:r>
-              <a:rPr lang="en-US" dirty="0" smtClean="0"/>
+              <a:rPr lang="en-US" dirty="0"/>
               <a:t>Server – which networks that will be used:</a:t>
             </a:r>
-            <a:endParaRPr lang="en-US" dirty="0"/>
           </a:p>
         </p:txBody>
       </p:sp>
@@ -4516,7 +4277,7 @@
           <a:lstStyle/>
           <a:p>
             <a:r>
-              <a:rPr lang="en-US" smtClean="0">
+              <a:rPr lang="en-US">
                 <a:solidFill>
                   <a:srgbClr val="000000"/>
                 </a:solidFill>
@@ -4547,18 +4308,13 @@
           <a:lstStyle/>
           <a:p>
             <a:r>
-              <a:rPr lang="en-US" smtClean="0">
+              <a:rPr lang="en-US">
                 <a:solidFill>
                   <a:srgbClr val="000000"/>
                 </a:solidFill>
               </a:rPr>
               <a:t>Airspan Networks - CONFIDENTIAL</a:t>
             </a:r>
-            <a:endParaRPr lang="en-US">
-              <a:solidFill>
-                <a:srgbClr val="000000"/>
-              </a:solidFill>
-            </a:endParaRPr>
           </a:p>
         </p:txBody>
       </p:sp>
@@ -4640,10 +4396,9 @@
           <a:lstStyle/>
           <a:p>
             <a:r>
-              <a:rPr lang="en-GB" dirty="0" smtClean="0"/>
+              <a:rPr lang="en-GB" dirty="0"/>
               <a:t>IXIA Agenda</a:t>
             </a:r>
-            <a:endParaRPr lang="en-GB" dirty="0"/>
           </a:p>
         </p:txBody>
       </p:sp>
@@ -4663,10 +4418,9 @@
           <a:lstStyle/>
           <a:p>
             <a:r>
-              <a:rPr lang="en-US" dirty="0" smtClean="0"/>
+              <a:rPr lang="en-US" dirty="0"/>
               <a:t> </a:t>
             </a:r>
-            <a:endParaRPr lang="en-US" dirty="0"/>
           </a:p>
         </p:txBody>
       </p:sp>
@@ -4686,7 +4440,7 @@
           <a:lstStyle/>
           <a:p>
             <a:r>
-              <a:rPr lang="en-US" smtClean="0">
+              <a:rPr lang="en-US">
                 <a:solidFill>
                   <a:srgbClr val="000000"/>
                 </a:solidFill>
@@ -4959,81 +4713,6 @@
             </a:lvl9pPr>
           </a:lstStyle>
           <a:p>
-            <a:pPr>
-              <a:lnSpc>
-                <a:spcPct val="150000"/>
-              </a:lnSpc>
-            </a:pPr>
-            <a:r>
-              <a:rPr lang="en-GB" sz="1800" dirty="0" smtClean="0">
-                <a:solidFill>
-                  <a:srgbClr val="000000"/>
-                </a:solidFill>
-              </a:rPr>
-              <a:t>What is the purpose</a:t>
-            </a:r>
-          </a:p>
-          <a:p>
-            <a:pPr>
-              <a:lnSpc>
-                <a:spcPct val="150000"/>
-              </a:lnSpc>
-            </a:pPr>
-            <a:r>
-              <a:rPr lang="en-GB" sz="1800" dirty="0" smtClean="0">
-                <a:solidFill>
-                  <a:srgbClr val="000000"/>
-                </a:solidFill>
-              </a:rPr>
-              <a:t>IXIA location at SVG LAB</a:t>
-            </a:r>
-          </a:p>
-          <a:p>
-            <a:pPr>
-              <a:lnSpc>
-                <a:spcPct val="150000"/>
-              </a:lnSpc>
-            </a:pPr>
-            <a:r>
-              <a:rPr lang="en-GB" sz="1800" dirty="0" smtClean="0">
-                <a:solidFill>
-                  <a:srgbClr val="000000"/>
-                </a:solidFill>
-              </a:rPr>
-              <a:t>Some TCP guidelines</a:t>
-            </a:r>
-          </a:p>
-          <a:p>
-            <a:pPr>
-              <a:lnSpc>
-                <a:spcPct val="150000"/>
-              </a:lnSpc>
-            </a:pPr>
-            <a:r>
-              <a:rPr lang="en-GB" sz="1800" dirty="0">
-                <a:solidFill>
-                  <a:srgbClr val="000000"/>
-                </a:solidFill>
-              </a:rPr>
-              <a:t>How to configure IXIA </a:t>
-            </a:r>
-          </a:p>
-          <a:p>
-            <a:pPr>
-              <a:lnSpc>
-                <a:spcPct val="150000"/>
-              </a:lnSpc>
-            </a:pPr>
-            <a:r>
-              <a:rPr lang="en-GB" sz="1800" dirty="0" smtClean="0">
-                <a:solidFill>
-                  <a:srgbClr val="000000"/>
-                </a:solidFill>
-              </a:rPr>
-              <a:t>Some troubleshooting.</a:t>
-            </a:r>
-          </a:p>
-          <a:p>
             <a:pPr marL="0" indent="0">
               <a:lnSpc>
                 <a:spcPct val="150000"/>
@@ -5059,13 +4738,6 @@
     <a:overrideClrMapping bg1="lt1" tx1="dk1" bg2="lt2" tx2="dk2" accent1="accent1" accent2="accent2" accent3="accent3" accent4="accent4" accent5="accent5" accent6="accent6" hlink="hlink" folHlink="folHlink"/>
   </p:clrMapOvr>
   <p:transition/>
-  <p:timing>
-    <p:tnLst>
-      <p:par>
-        <p:cTn id="1" dur="indefinite" restart="never" nodeType="tmRoot"/>
-      </p:par>
-    </p:tnLst>
-  </p:timing>
 </p:sld>
 </file>
 
@@ -5102,40 +4774,39 @@
           <a:lstStyle/>
           <a:p>
             <a:r>
-              <a:rPr lang="en-US" dirty="0" smtClean="0"/>
+              <a:rPr lang="en-US" dirty="0"/>
               <a:t>IXIA Configuration</a:t>
             </a:r>
+          </a:p>
+        </p:txBody>
+      </p:sp>
+      <p:sp>
+        <p:nvSpPr>
+          <p:cNvPr id="6" name="Content Placeholder 5"/>
+          <p:cNvSpPr>
+            <a:spLocks noGrp="1"/>
+          </p:cNvSpPr>
+          <p:nvPr>
+            <p:ph idx="1"/>
+          </p:nvPr>
+        </p:nvSpPr>
+        <p:spPr/>
+        <p:txBody>
+          <a:bodyPr/>
+          <a:lstStyle/>
+          <a:p>
+            <a:r>
+              <a:rPr lang="en-US" dirty="0"/>
+              <a:t>Timeline and Objective:</a:t>
+            </a:r>
+          </a:p>
+          <a:p>
             <a:endParaRPr lang="en-US" dirty="0"/>
           </a:p>
         </p:txBody>
       </p:sp>
       <p:sp>
         <p:nvSpPr>
-          <p:cNvPr id="6" name="Content Placeholder 5"/>
-          <p:cNvSpPr>
-            <a:spLocks noGrp="1"/>
-          </p:cNvSpPr>
-          <p:nvPr>
-            <p:ph idx="1"/>
-          </p:nvPr>
-        </p:nvSpPr>
-        <p:spPr/>
-        <p:txBody>
-          <a:bodyPr/>
-          <a:lstStyle/>
-          <a:p>
-            <a:r>
-              <a:rPr lang="en-US" dirty="0" smtClean="0"/>
-              <a:t>Timeline and Objective:</a:t>
-            </a:r>
-          </a:p>
-          <a:p>
-            <a:endParaRPr lang="en-US" dirty="0"/>
-          </a:p>
-        </p:txBody>
-      </p:sp>
-      <p:sp>
-        <p:nvSpPr>
           <p:cNvPr id="3" name="Date Placeholder 2"/>
           <p:cNvSpPr>
             <a:spLocks noGrp="1"/>
@@ -5150,18 +4821,13 @@
           <a:lstStyle/>
           <a:p>
             <a:r>
-              <a:rPr lang="en-US" smtClean="0">
+              <a:rPr lang="en-US">
                 <a:solidFill>
                   <a:srgbClr val="000000"/>
                 </a:solidFill>
               </a:rPr>
               <a:t>Dec 2017</a:t>
             </a:r>
-            <a:endParaRPr lang="en-US">
-              <a:solidFill>
-                <a:srgbClr val="000000"/>
-              </a:solidFill>
-            </a:endParaRPr>
           </a:p>
         </p:txBody>
       </p:sp>
@@ -5181,18 +4847,13 @@
           <a:lstStyle/>
           <a:p>
             <a:r>
-              <a:rPr lang="en-US" smtClean="0">
+              <a:rPr lang="en-US">
                 <a:solidFill>
                   <a:srgbClr val="000000"/>
                 </a:solidFill>
               </a:rPr>
               <a:t>Airspan Networks - CONFIDENTIAL</a:t>
             </a:r>
-            <a:endParaRPr lang="en-US">
-              <a:solidFill>
-                <a:srgbClr val="000000"/>
-              </a:solidFill>
-            </a:endParaRPr>
           </a:p>
         </p:txBody>
       </p:sp>
@@ -5266,10 +4927,9 @@
           <a:lstStyle/>
           <a:p>
             <a:r>
-              <a:rPr lang="en-US" dirty="0" smtClean="0"/>
+              <a:rPr lang="en-US" dirty="0"/>
               <a:t>IXIA Configuration</a:t>
             </a:r>
-            <a:endParaRPr lang="en-US" dirty="0"/>
           </a:p>
         </p:txBody>
       </p:sp>
@@ -5289,16 +4949,15 @@
           <a:lstStyle/>
           <a:p>
             <a:r>
-              <a:rPr lang="en-US" dirty="0" smtClean="0"/>
+              <a:rPr lang="en-US" dirty="0"/>
               <a:t>Simulated users: each “UE” will used X sessions simultaneously </a:t>
             </a:r>
           </a:p>
           <a:p>
             <a:r>
-              <a:rPr lang="en-US" dirty="0" smtClean="0"/>
+              <a:rPr lang="en-US" dirty="0"/>
               <a:t>Example:</a:t>
             </a:r>
-            <a:endParaRPr lang="en-US" dirty="0"/>
           </a:p>
         </p:txBody>
       </p:sp>
@@ -5318,18 +4977,13 @@
           <a:lstStyle/>
           <a:p>
             <a:r>
-              <a:rPr lang="en-US" smtClean="0">
+              <a:rPr lang="en-US">
                 <a:solidFill>
                   <a:srgbClr val="000000"/>
                 </a:solidFill>
               </a:rPr>
               <a:t>Dec 2017</a:t>
             </a:r>
-            <a:endParaRPr lang="en-US">
-              <a:solidFill>
-                <a:srgbClr val="000000"/>
-              </a:solidFill>
-            </a:endParaRPr>
           </a:p>
         </p:txBody>
       </p:sp>
@@ -5349,18 +5003,13 @@
           <a:lstStyle/>
           <a:p>
             <a:r>
-              <a:rPr lang="en-US" smtClean="0">
+              <a:rPr lang="en-US">
                 <a:solidFill>
                   <a:srgbClr val="000000"/>
                 </a:solidFill>
               </a:rPr>
               <a:t>Airspan Networks - CONFIDENTIAL</a:t>
             </a:r>
-            <a:endParaRPr lang="en-US">
-              <a:solidFill>
-                <a:srgbClr val="000000"/>
-              </a:solidFill>
-            </a:endParaRPr>
           </a:p>
         </p:txBody>
       </p:sp>
@@ -5434,39 +5083,38 @@
           <a:lstStyle/>
           <a:p>
             <a:r>
-              <a:rPr lang="en-US" dirty="0" smtClean="0"/>
+              <a:rPr lang="en-US" dirty="0"/>
               <a:t>IXIA Configuration</a:t>
             </a:r>
+          </a:p>
+        </p:txBody>
+      </p:sp>
+      <p:sp>
+        <p:nvSpPr>
+          <p:cNvPr id="6" name="Content Placeholder 5"/>
+          <p:cNvSpPr>
+            <a:spLocks noGrp="1"/>
+          </p:cNvSpPr>
+          <p:nvPr>
+            <p:ph idx="1"/>
+          </p:nvPr>
+        </p:nvSpPr>
+        <p:spPr/>
+        <p:txBody>
+          <a:bodyPr/>
+          <a:lstStyle/>
+          <a:p>
+            <a:r>
+              <a:rPr lang="en-US" dirty="0"/>
+              <a:t>Test options:</a:t>
+            </a:r>
+          </a:p>
+          <a:p>
             <a:endParaRPr lang="en-US" dirty="0"/>
           </a:p>
-        </p:txBody>
-      </p:sp>
-      <p:sp>
-        <p:nvSpPr>
-          <p:cNvPr id="6" name="Content Placeholder 5"/>
-          <p:cNvSpPr>
-            <a:spLocks noGrp="1"/>
-          </p:cNvSpPr>
-          <p:nvPr>
-            <p:ph idx="1"/>
-          </p:nvPr>
-        </p:nvSpPr>
-        <p:spPr/>
-        <p:txBody>
-          <a:bodyPr/>
-          <a:lstStyle/>
-          <a:p>
-            <a:r>
-              <a:rPr lang="en-US" dirty="0" smtClean="0"/>
-              <a:t>Test options:</a:t>
-            </a:r>
-          </a:p>
           <a:p>
             <a:endParaRPr lang="en-US" dirty="0"/>
           </a:p>
-          <a:p>
-            <a:endParaRPr lang="en-US" dirty="0"/>
-          </a:p>
         </p:txBody>
       </p:sp>
       <p:sp>
@@ -5485,18 +5133,13 @@
           <a:lstStyle/>
           <a:p>
             <a:r>
-              <a:rPr lang="en-US" smtClean="0">
+              <a:rPr lang="en-US">
                 <a:solidFill>
                   <a:srgbClr val="000000"/>
                 </a:solidFill>
               </a:rPr>
               <a:t>Dec 2017</a:t>
             </a:r>
-            <a:endParaRPr lang="en-US">
-              <a:solidFill>
-                <a:srgbClr val="000000"/>
-              </a:solidFill>
-            </a:endParaRPr>
           </a:p>
         </p:txBody>
       </p:sp>
@@ -5516,18 +5159,13 @@
           <a:lstStyle/>
           <a:p>
             <a:r>
-              <a:rPr lang="en-US" smtClean="0">
+              <a:rPr lang="en-US">
                 <a:solidFill>
                   <a:srgbClr val="000000"/>
                 </a:solidFill>
               </a:rPr>
               <a:t>Airspan Networks - CONFIDENTIAL</a:t>
             </a:r>
-            <a:endParaRPr lang="en-US">
-              <a:solidFill>
-                <a:srgbClr val="000000"/>
-              </a:solidFill>
-            </a:endParaRPr>
           </a:p>
         </p:txBody>
       </p:sp>
@@ -5601,10 +5239,9 @@
           <a:lstStyle/>
           <a:p>
             <a:r>
-              <a:rPr lang="en-US" dirty="0" smtClean="0"/>
+              <a:rPr lang="en-US" dirty="0"/>
               <a:t>IXIA Configuration</a:t>
             </a:r>
-            <a:endParaRPr lang="en-US" dirty="0"/>
           </a:p>
         </p:txBody>
       </p:sp>
@@ -5629,7 +5266,7 @@
           <a:lstStyle/>
           <a:p>
             <a:r>
-              <a:rPr lang="en-US" dirty="0" smtClean="0"/>
+              <a:rPr lang="en-US" dirty="0"/>
               <a:t>Move between configuration and Statistics:</a:t>
             </a:r>
           </a:p>
@@ -5657,18 +5294,13 @@
           <a:lstStyle/>
           <a:p>
             <a:r>
-              <a:rPr lang="en-US" smtClean="0">
+              <a:rPr lang="en-US">
                 <a:solidFill>
                   <a:srgbClr val="000000"/>
                 </a:solidFill>
               </a:rPr>
               <a:t>Dec 2017</a:t>
             </a:r>
-            <a:endParaRPr lang="en-US">
-              <a:solidFill>
-                <a:srgbClr val="000000"/>
-              </a:solidFill>
-            </a:endParaRPr>
           </a:p>
         </p:txBody>
       </p:sp>
@@ -5688,18 +5320,13 @@
           <a:lstStyle/>
           <a:p>
             <a:r>
-              <a:rPr lang="en-US" smtClean="0">
+              <a:rPr lang="en-US">
                 <a:solidFill>
                   <a:srgbClr val="000000"/>
                 </a:solidFill>
               </a:rPr>
               <a:t>Airspan Networks - CONFIDENTIAL</a:t>
             </a:r>
-            <a:endParaRPr lang="en-US">
-              <a:solidFill>
-                <a:srgbClr val="000000"/>
-              </a:solidFill>
-            </a:endParaRPr>
           </a:p>
         </p:txBody>
       </p:sp>
@@ -5853,10 +5480,9 @@
           <a:lstStyle/>
           <a:p>
             <a:r>
-              <a:rPr lang="en-US" dirty="0" smtClean="0"/>
+              <a:rPr lang="en-US" dirty="0"/>
               <a:t>IXIA Statistics</a:t>
             </a:r>
-            <a:endParaRPr lang="en-US" dirty="0"/>
           </a:p>
         </p:txBody>
       </p:sp>
@@ -5876,18 +5502,13 @@
           <a:lstStyle/>
           <a:p>
             <a:r>
-              <a:rPr lang="en-US" smtClean="0">
+              <a:rPr lang="en-US">
                 <a:solidFill>
                   <a:srgbClr val="000000"/>
                 </a:solidFill>
               </a:rPr>
               <a:t>Dec 2017</a:t>
             </a:r>
-            <a:endParaRPr lang="en-US">
-              <a:solidFill>
-                <a:srgbClr val="000000"/>
-              </a:solidFill>
-            </a:endParaRPr>
           </a:p>
         </p:txBody>
       </p:sp>
@@ -5907,18 +5528,13 @@
           <a:lstStyle/>
           <a:p>
             <a:r>
-              <a:rPr lang="en-US" smtClean="0">
+              <a:rPr lang="en-US">
                 <a:solidFill>
                   <a:srgbClr val="000000"/>
                 </a:solidFill>
               </a:rPr>
               <a:t>Airspan Networks - CONFIDENTIAL</a:t>
             </a:r>
-            <a:endParaRPr lang="en-US">
-              <a:solidFill>
-                <a:srgbClr val="000000"/>
-              </a:solidFill>
-            </a:endParaRPr>
           </a:p>
         </p:txBody>
       </p:sp>
@@ -5938,7 +5554,7 @@
           <a:lstStyle/>
           <a:p>
             <a:r>
-              <a:rPr lang="en-US" dirty="0" smtClean="0"/>
+              <a:rPr lang="en-US" dirty="0"/>
               <a:t>L2-3 throughput stats:</a:t>
             </a:r>
           </a:p>
@@ -6017,12 +5633,8 @@
           <a:lstStyle/>
           <a:p>
             <a:r>
-              <a:rPr lang="en-US" dirty="0" smtClean="0"/>
-              <a:t>IXIA </a:t>
-            </a:r>
-            <a:r>
-              <a:rPr lang="en-US" dirty="0"/>
-              <a:t>Statistics</a:t>
+              <a:rPr lang="en-US" dirty="0"/>
+              <a:t>IXIA Statistics</a:t>
             </a:r>
           </a:p>
         </p:txBody>
@@ -6048,19 +5660,19 @@
           <a:lstStyle/>
           <a:p>
             <a:r>
-              <a:rPr lang="en-US" dirty="0" smtClean="0"/>
+              <a:rPr lang="en-US" dirty="0"/>
               <a:t>Objectives – “simulated users”</a:t>
             </a:r>
           </a:p>
           <a:p>
-            <a:endParaRPr lang="en-US" dirty="0" smtClean="0"/>
-          </a:p>
-          <a:p>
             <a:endParaRPr lang="en-US" dirty="0"/>
           </a:p>
           <a:p>
             <a:endParaRPr lang="en-US" dirty="0"/>
           </a:p>
+          <a:p>
+            <a:endParaRPr lang="en-US" dirty="0"/>
+          </a:p>
         </p:txBody>
       </p:sp>
       <p:sp>
@@ -6079,18 +5691,13 @@
           <a:lstStyle/>
           <a:p>
             <a:r>
-              <a:rPr lang="en-US" smtClean="0">
+              <a:rPr lang="en-US">
                 <a:solidFill>
                   <a:srgbClr val="000000"/>
                 </a:solidFill>
               </a:rPr>
               <a:t>Dec 2017</a:t>
             </a:r>
-            <a:endParaRPr lang="en-US">
-              <a:solidFill>
-                <a:srgbClr val="000000"/>
-              </a:solidFill>
-            </a:endParaRPr>
           </a:p>
         </p:txBody>
       </p:sp>
@@ -6110,18 +5717,13 @@
           <a:lstStyle/>
           <a:p>
             <a:r>
-              <a:rPr lang="en-US" smtClean="0">
+              <a:rPr lang="en-US">
                 <a:solidFill>
                   <a:srgbClr val="000000"/>
                 </a:solidFill>
               </a:rPr>
               <a:t>Airspan Networks - CONFIDENTIAL</a:t>
             </a:r>
-            <a:endParaRPr lang="en-US">
-              <a:solidFill>
-                <a:srgbClr val="000000"/>
-              </a:solidFill>
-            </a:endParaRPr>
           </a:p>
         </p:txBody>
       </p:sp>
@@ -6195,12 +5797,8 @@
           <a:lstStyle/>
           <a:p>
             <a:r>
-              <a:rPr lang="en-US" dirty="0" smtClean="0"/>
-              <a:t>IXIA </a:t>
-            </a:r>
-            <a:r>
-              <a:rPr lang="en-US" dirty="0"/>
-              <a:t>Statistics</a:t>
+              <a:rPr lang="en-US" dirty="0"/>
+              <a:t>IXIA Statistics</a:t>
             </a:r>
           </a:p>
         </p:txBody>
@@ -6226,19 +5824,19 @@
           <a:lstStyle/>
           <a:p>
             <a:r>
-              <a:rPr lang="en-US" dirty="0" smtClean="0"/>
+              <a:rPr lang="en-US" dirty="0"/>
               <a:t>Port statistics:</a:t>
             </a:r>
           </a:p>
           <a:p>
-            <a:endParaRPr lang="en-US" dirty="0" smtClean="0"/>
-          </a:p>
-          <a:p>
             <a:endParaRPr lang="en-US" dirty="0"/>
           </a:p>
           <a:p>
             <a:endParaRPr lang="en-US" dirty="0"/>
           </a:p>
+          <a:p>
+            <a:endParaRPr lang="en-US" dirty="0"/>
+          </a:p>
         </p:txBody>
       </p:sp>
       <p:sp>
@@ -6257,18 +5855,13 @@
           <a:lstStyle/>
           <a:p>
             <a:r>
-              <a:rPr lang="en-US" smtClean="0">
+              <a:rPr lang="en-US">
                 <a:solidFill>
                   <a:srgbClr val="000000"/>
                 </a:solidFill>
               </a:rPr>
               <a:t>Dec 2017</a:t>
             </a:r>
-            <a:endParaRPr lang="en-US">
-              <a:solidFill>
-                <a:srgbClr val="000000"/>
-              </a:solidFill>
-            </a:endParaRPr>
           </a:p>
         </p:txBody>
       </p:sp>
@@ -6288,18 +5881,13 @@
           <a:lstStyle/>
           <a:p>
             <a:r>
-              <a:rPr lang="en-US" smtClean="0">
+              <a:rPr lang="en-US">
                 <a:solidFill>
                   <a:srgbClr val="000000"/>
                 </a:solidFill>
               </a:rPr>
               <a:t>Airspan Networks - CONFIDENTIAL</a:t>
             </a:r>
-            <a:endParaRPr lang="en-US">
-              <a:solidFill>
-                <a:srgbClr val="000000"/>
-              </a:solidFill>
-            </a:endParaRPr>
           </a:p>
         </p:txBody>
       </p:sp>
@@ -6373,10 +5961,9 @@
           <a:lstStyle/>
           <a:p>
             <a:r>
-              <a:rPr lang="en-US" dirty="0" smtClean="0"/>
+              <a:rPr lang="en-US" dirty="0"/>
               <a:t>IXIA Generate report</a:t>
             </a:r>
-            <a:endParaRPr lang="en-US" dirty="0"/>
           </a:p>
         </p:txBody>
       </p:sp>
@@ -6396,18 +5983,13 @@
           <a:lstStyle/>
           <a:p>
             <a:r>
-              <a:rPr lang="en-US" smtClean="0">
+              <a:rPr lang="en-US">
                 <a:solidFill>
                   <a:srgbClr val="000000"/>
                 </a:solidFill>
               </a:rPr>
               <a:t>Dec 2017</a:t>
             </a:r>
-            <a:endParaRPr lang="en-US">
-              <a:solidFill>
-                <a:srgbClr val="000000"/>
-              </a:solidFill>
-            </a:endParaRPr>
           </a:p>
         </p:txBody>
       </p:sp>
@@ -6427,18 +6009,13 @@
           <a:lstStyle/>
           <a:p>
             <a:r>
-              <a:rPr lang="en-US" smtClean="0">
+              <a:rPr lang="en-US">
                 <a:solidFill>
                   <a:srgbClr val="000000"/>
                 </a:solidFill>
               </a:rPr>
               <a:t>Airspan Networks - CONFIDENTIAL</a:t>
             </a:r>
-            <a:endParaRPr lang="en-US">
-              <a:solidFill>
-                <a:srgbClr val="000000"/>
-              </a:solidFill>
-            </a:endParaRPr>
           </a:p>
         </p:txBody>
       </p:sp>
@@ -6512,10 +6089,9 @@
           <a:lstStyle/>
           <a:p>
             <a:r>
-              <a:rPr lang="en-US" dirty="0" smtClean="0"/>
+              <a:rPr lang="en-US" dirty="0"/>
               <a:t>Troubleshooting</a:t>
             </a:r>
-            <a:endParaRPr lang="en-US" dirty="0"/>
           </a:p>
         </p:txBody>
       </p:sp>
@@ -6535,7 +6111,7 @@
           <a:lstStyle/>
           <a:p>
             <a:r>
-              <a:rPr lang="en-US" smtClean="0">
+              <a:rPr lang="en-US">
                 <a:solidFill>
                   <a:srgbClr val="000000"/>
                 </a:solidFill>
@@ -6566,18 +6142,13 @@
           <a:lstStyle/>
           <a:p>
             <a:r>
-              <a:rPr lang="en-US" smtClean="0">
+              <a:rPr lang="en-US">
                 <a:solidFill>
                   <a:srgbClr val="000000"/>
                 </a:solidFill>
               </a:rPr>
               <a:t>Airspan Networks - CONFIDENTIAL</a:t>
             </a:r>
-            <a:endParaRPr lang="en-US">
-              <a:solidFill>
-                <a:srgbClr val="000000"/>
-              </a:solidFill>
-            </a:endParaRPr>
           </a:p>
         </p:txBody>
       </p:sp>
@@ -6603,78 +6174,38 @@
           </a:p>
           <a:p>
             <a:r>
-              <a:rPr lang="en-US" dirty="0" smtClean="0"/>
+              <a:rPr lang="en-US" dirty="0"/>
               <a:t>Use more than one UE. ( UE problem /TCP behavior…).</a:t>
             </a:r>
           </a:p>
           <a:p>
             <a:r>
-              <a:rPr lang="en-US" dirty="0" smtClean="0"/>
-              <a:t>Test </a:t>
-            </a:r>
-            <a:r>
-              <a:rPr lang="en-US" dirty="0"/>
-              <a:t>your Setup with STC ( using UDP traffic) before. Normally TCP rate achieves around 95% of UDP</a:t>
-            </a:r>
-            <a:r>
-              <a:rPr lang="en-US" dirty="0" smtClean="0"/>
-              <a:t>.</a:t>
-            </a:r>
-          </a:p>
-          <a:p>
-            <a:r>
-              <a:rPr lang="en-US" dirty="0" smtClean="0"/>
-              <a:t>Ping to default gateway – </a:t>
-            </a:r>
-            <a:r>
-              <a:rPr lang="en-US" dirty="0" smtClean="0"/>
-              <a:t>according to the next </a:t>
-            </a:r>
-            <a:r>
-              <a:rPr lang="en-US" dirty="0" smtClean="0"/>
-              <a:t>slide</a:t>
-            </a:r>
-          </a:p>
-          <a:p>
-            <a:r>
-              <a:rPr lang="en-US" dirty="0" smtClean="0"/>
-              <a:t>IXIA Test </a:t>
-            </a:r>
-            <a:r>
-              <a:rPr lang="en-US" dirty="0" smtClean="0"/>
-              <a:t>log which </a:t>
-            </a:r>
-            <a:r>
-              <a:rPr lang="en-US" dirty="0" smtClean="0"/>
-              <a:t>may </a:t>
-            </a:r>
-            <a:r>
-              <a:rPr lang="en-US" dirty="0" smtClean="0"/>
-              <a:t>indicate </a:t>
-            </a:r>
-            <a:r>
-              <a:rPr lang="en-US" dirty="0" smtClean="0"/>
-              <a:t>on a configuration error.</a:t>
-            </a:r>
-          </a:p>
-          <a:p>
-            <a:r>
-              <a:rPr lang="en-US" dirty="0" smtClean="0"/>
+              <a:rPr lang="en-US" dirty="0"/>
+              <a:t>Test your Setup with STC ( using UDP traffic) before. Normally TCP rate achieves around 95% of UDP.</a:t>
+            </a:r>
+          </a:p>
+          <a:p>
+            <a:r>
+              <a:rPr lang="en-US" dirty="0"/>
+              <a:t>Ping to default gateway – according to the next slide</a:t>
+            </a:r>
+          </a:p>
+          <a:p>
+            <a:r>
+              <a:rPr lang="en-US" dirty="0"/>
+              <a:t>IXIA Test log which may indicate on a configuration error.</a:t>
+            </a:r>
+          </a:p>
+          <a:p>
+            <a:r>
+              <a:rPr lang="en-US" dirty="0"/>
               <a:t>Be aware that we are testing a system so the problem may with the UE, the network, the EPC and/or configuration error.</a:t>
             </a:r>
           </a:p>
           <a:p>
             <a:r>
-              <a:rPr lang="en-US" dirty="0" smtClean="0"/>
-              <a:t>Run some performance commands on the enodeB for debugging of R&amp;D ( </a:t>
-            </a:r>
-            <a:r>
-              <a:rPr lang="en-US" dirty="0" smtClean="0"/>
-              <a:t>were sent </a:t>
-            </a:r>
-            <a:r>
-              <a:rPr lang="en-US" dirty="0" smtClean="0"/>
-              <a:t>separately).</a:t>
+              <a:rPr lang="en-US" dirty="0"/>
+              <a:t>Run some performance commands on the enodeB for debugging of R&amp;D ( were sent separately).</a:t>
             </a:r>
           </a:p>
           <a:p>
@@ -6731,10 +6262,9 @@
           <a:lstStyle/>
           <a:p>
             <a:r>
-              <a:rPr lang="en-US" dirty="0" smtClean="0"/>
+              <a:rPr lang="en-US" dirty="0"/>
               <a:t>Ping the default gateway from IXIA </a:t>
             </a:r>
-            <a:endParaRPr lang="en-US" dirty="0"/>
           </a:p>
         </p:txBody>
       </p:sp>
@@ -6754,7 +6284,7 @@
           <a:lstStyle/>
           <a:p>
             <a:r>
-              <a:rPr lang="en-US" smtClean="0">
+              <a:rPr lang="en-US">
                 <a:solidFill>
                   <a:srgbClr val="000000"/>
                 </a:solidFill>
@@ -6785,18 +6315,13 @@
           <a:lstStyle/>
           <a:p>
             <a:r>
-              <a:rPr lang="en-US" smtClean="0">
+              <a:rPr lang="en-US">
                 <a:solidFill>
                   <a:srgbClr val="000000"/>
                 </a:solidFill>
               </a:rPr>
               <a:t>Airspan Networks - CONFIDENTIAL</a:t>
             </a:r>
-            <a:endParaRPr lang="en-US">
-              <a:solidFill>
-                <a:srgbClr val="000000"/>
-              </a:solidFill>
-            </a:endParaRPr>
           </a:p>
         </p:txBody>
       </p:sp>
@@ -6872,51 +6397,41 @@
           <a:lstStyle/>
           <a:p>
             <a:r>
-              <a:rPr lang="en-US" dirty="0" smtClean="0"/>
+              <a:rPr lang="en-US" dirty="0"/>
               <a:t>What is IXIA</a:t>
             </a:r>
+          </a:p>
+        </p:txBody>
+      </p:sp>
+      <p:sp>
+        <p:nvSpPr>
+          <p:cNvPr id="8" name="Content Placeholder 7"/>
+          <p:cNvSpPr>
+            <a:spLocks noGrp="1"/>
+          </p:cNvSpPr>
+          <p:nvPr>
+            <p:ph idx="1"/>
+          </p:nvPr>
+        </p:nvSpPr>
+        <p:spPr/>
+        <p:txBody>
+          <a:bodyPr/>
+          <a:lstStyle/>
+          <a:p>
             <a:endParaRPr lang="en-US" dirty="0"/>
           </a:p>
-        </p:txBody>
-      </p:sp>
-      <p:sp>
-        <p:nvSpPr>
-          <p:cNvPr id="8" name="Content Placeholder 7"/>
-          <p:cNvSpPr>
-            <a:spLocks noGrp="1"/>
-          </p:cNvSpPr>
-          <p:nvPr>
-            <p:ph idx="1"/>
-          </p:nvPr>
-        </p:nvSpPr>
-        <p:spPr/>
-        <p:txBody>
-          <a:bodyPr/>
-          <a:lstStyle/>
-          <a:p>
-            <a:endParaRPr lang="en-US" dirty="0" smtClean="0"/>
-          </a:p>
           <a:p>
             <a:endParaRPr lang="en-US" dirty="0"/>
           </a:p>
           <a:p>
-            <a:endParaRPr lang="en-US" dirty="0" smtClean="0"/>
-          </a:p>
-          <a:p>
-            <a:r>
-              <a:rPr lang="en-US" dirty="0" smtClean="0"/>
-              <a:t>Ixia</a:t>
-            </a:r>
-            <a:r>
-              <a:rPr lang="en-US" dirty="0"/>
-              <a:t>, a company that provides testing tools for network equipment </a:t>
-            </a:r>
-            <a:r>
-              <a:rPr lang="en-US" dirty="0" smtClean="0"/>
-              <a:t>vendors.</a:t>
-            </a:r>
             <a:endParaRPr lang="en-US" dirty="0"/>
           </a:p>
+          <a:p>
+            <a:r>
+              <a:rPr lang="en-US" dirty="0"/>
+              <a:t>Ixia, a company that provides testing tools for network equipment vendors.</a:t>
+            </a:r>
+          </a:p>
         </p:txBody>
       </p:sp>
       <p:sp>
@@ -6935,7 +6450,7 @@
           <a:lstStyle/>
           <a:p>
             <a:r>
-              <a:rPr lang="en-US" smtClean="0">
+              <a:rPr lang="en-US">
                 <a:solidFill>
                   <a:srgbClr val="000000"/>
                 </a:solidFill>
@@ -6966,18 +6481,13 @@
           <a:lstStyle/>
           <a:p>
             <a:r>
-              <a:rPr lang="en-US" smtClean="0">
+              <a:rPr lang="en-US">
                 <a:solidFill>
                   <a:srgbClr val="000000"/>
                 </a:solidFill>
               </a:rPr>
               <a:t>Airspan Networks - CONFIDENTIAL</a:t>
             </a:r>
-            <a:endParaRPr lang="en-US">
-              <a:solidFill>
-                <a:srgbClr val="000000"/>
-              </a:solidFill>
-            </a:endParaRPr>
           </a:p>
         </p:txBody>
       </p:sp>
@@ -7027,31 +6537,39 @@
           <a:lstStyle/>
           <a:p>
             <a:r>
-              <a:rPr lang="en-US" dirty="0" smtClean="0"/>
+              <a:rPr lang="en-US" dirty="0"/>
               <a:t>Additional info</a:t>
             </a:r>
+          </a:p>
+        </p:txBody>
+      </p:sp>
+      <p:sp>
+        <p:nvSpPr>
+          <p:cNvPr id="5" name="Content Placeholder 4"/>
+          <p:cNvSpPr>
+            <a:spLocks noGrp="1"/>
+          </p:cNvSpPr>
+          <p:nvPr>
+            <p:ph idx="1"/>
+          </p:nvPr>
+        </p:nvSpPr>
+        <p:spPr/>
+        <p:txBody>
+          <a:bodyPr/>
+          <a:lstStyle/>
+          <a:p>
+            <a:r>
+              <a:rPr lang="en-US" dirty="0"/>
+              <a:t>IXIA and STC are connected to UL/DL switches. Following slides explain how to reach them to verify correct configuration. </a:t>
+            </a:r>
+          </a:p>
+          <a:p>
             <a:endParaRPr lang="en-US" dirty="0"/>
           </a:p>
-        </p:txBody>
-      </p:sp>
-      <p:sp>
-        <p:nvSpPr>
-          <p:cNvPr id="5" name="Content Placeholder 4"/>
-          <p:cNvSpPr>
-            <a:spLocks noGrp="1"/>
-          </p:cNvSpPr>
-          <p:nvPr>
-            <p:ph idx="1"/>
-          </p:nvPr>
-        </p:nvSpPr>
-        <p:spPr/>
-        <p:txBody>
-          <a:bodyPr/>
-          <a:lstStyle/>
-          <a:p>
-            <a:r>
-              <a:rPr lang="en-US" dirty="0" smtClean="0"/>
-              <a:t>IXIA and STC are connected to UL/DL switches. Following slides explain how to reach them to verify correct configuration. </a:t>
+          <a:p>
+            <a:r>
+              <a:rPr lang="en-US" dirty="0"/>
+              <a:t>MSS and MTU: Explanation and differences.</a:t>
             </a:r>
           </a:p>
           <a:p>
@@ -7059,22 +6577,13 @@
           </a:p>
           <a:p>
             <a:r>
-              <a:rPr lang="en-US" dirty="0" smtClean="0"/>
-              <a:t>MSS and MTU: Explanation and differences.</a:t>
+              <a:rPr lang="en-US" dirty="0"/>
+              <a:t>Example how one parameter can influence the THPT results.</a:t>
             </a:r>
           </a:p>
           <a:p>
             <a:endParaRPr lang="en-US" dirty="0"/>
           </a:p>
-          <a:p>
-            <a:r>
-              <a:rPr lang="en-US" dirty="0" smtClean="0"/>
-              <a:t>Example how one parameter can influence the THPT results.</a:t>
-            </a:r>
-          </a:p>
-          <a:p>
-            <a:endParaRPr lang="en-US" dirty="0"/>
-          </a:p>
         </p:txBody>
       </p:sp>
       <p:sp>
@@ -7093,18 +6602,13 @@
           <a:lstStyle/>
           <a:p>
             <a:r>
-              <a:rPr lang="en-US" smtClean="0">
+              <a:rPr lang="en-US">
                 <a:solidFill>
                   <a:srgbClr val="000000"/>
                 </a:solidFill>
               </a:rPr>
               <a:t>Dec 2017</a:t>
             </a:r>
-            <a:endParaRPr lang="en-US">
-              <a:solidFill>
-                <a:srgbClr val="000000"/>
-              </a:solidFill>
-            </a:endParaRPr>
           </a:p>
         </p:txBody>
       </p:sp>
@@ -7124,18 +6628,13 @@
           <a:lstStyle/>
           <a:p>
             <a:r>
-              <a:rPr lang="en-US" smtClean="0">
+              <a:rPr lang="en-US">
                 <a:solidFill>
                   <a:srgbClr val="000000"/>
                 </a:solidFill>
               </a:rPr>
               <a:t>Airspan Networks - CONFIDENTIAL</a:t>
             </a:r>
-            <a:endParaRPr lang="en-US">
-              <a:solidFill>
-                <a:srgbClr val="000000"/>
-              </a:solidFill>
-            </a:endParaRPr>
           </a:p>
         </p:txBody>
       </p:sp>
@@ -7185,10 +6684,9 @@
           <a:lstStyle/>
           <a:p>
             <a:r>
-              <a:rPr lang="en-US" dirty="0" smtClean="0"/>
+              <a:rPr lang="en-US" dirty="0"/>
               <a:t>DMZ </a:t>
             </a:r>
-            <a:endParaRPr lang="en-US" dirty="0"/>
           </a:p>
         </p:txBody>
       </p:sp>
@@ -7213,7 +6711,7 @@
           </a:p>
           <a:p>
             <a:r>
-              <a:rPr lang="en-US" dirty="0" smtClean="0"/>
+              <a:rPr lang="en-US" dirty="0"/>
               <a:t>UE configuration example:</a:t>
             </a:r>
           </a:p>
@@ -7222,24 +6720,8 @@
           </a:p>
           <a:p>
             <a:r>
-              <a:rPr lang="en-US" dirty="0" smtClean="0"/>
-              <a:t>UE </a:t>
-            </a:r>
-            <a:r>
-              <a:rPr lang="en-US" dirty="0" smtClean="0"/>
-              <a:t>MNG </a:t>
-            </a:r>
-            <a:r>
-              <a:rPr lang="en-US" dirty="0" smtClean="0"/>
-              <a:t>IP</a:t>
-            </a:r>
-            <a:r>
-              <a:rPr lang="en-US" dirty="0" smtClean="0"/>
-              <a:t>  </a:t>
-            </a:r>
-            <a:r>
-              <a:rPr lang="en-US" dirty="0"/>
-              <a:t>100.39.1.254  DMZ 100.39.1.100</a:t>
+              <a:rPr lang="en-US" dirty="0"/>
+              <a:t>UE MNG IP  100.39.1.254  DMZ 100.39.1.100</a:t>
             </a:r>
           </a:p>
           <a:p>
@@ -7263,27 +6745,7 @@
           <a:p>
             <a:r>
               <a:rPr lang="en-US" dirty="0"/>
-              <a:t>DMZ </a:t>
-            </a:r>
-            <a:r>
-              <a:rPr lang="en-US" dirty="0" smtClean="0"/>
-              <a:t>is a default address which the UE will send traffic arrive from server and </a:t>
-            </a:r>
-            <a:r>
-              <a:rPr lang="en-US" dirty="0"/>
-              <a:t>the NAT does not know </a:t>
-            </a:r>
-            <a:r>
-              <a:rPr lang="en-US" dirty="0" smtClean="0"/>
-              <a:t>the destination address.</a:t>
-            </a:r>
-            <a:r>
-              <a:rPr lang="en-US" dirty="0"/>
-              <a:t> </a:t>
-            </a:r>
-            <a:r>
-              <a:rPr lang="en-US" dirty="0" smtClean="0"/>
-              <a:t>In more details:</a:t>
+              <a:t>DMZ is a default address which the UE will send traffic arrive from server and the NAT does not know the destination address. In more details:</a:t>
             </a:r>
           </a:p>
           <a:p>
@@ -7298,26 +6760,13 @@
           <a:p>
             <a:r>
               <a:rPr lang="en-US" dirty="0"/>
-              <a:t>The NAT on the UE does not know where to send the traffic</a:t>
-            </a:r>
-            <a:r>
-              <a:rPr lang="en-US" dirty="0" smtClean="0"/>
-              <a:t>.</a:t>
-            </a:r>
-            <a:endParaRPr lang="en-US" dirty="0"/>
-          </a:p>
-          <a:p>
-            <a:r>
-              <a:rPr lang="en-US" dirty="0"/>
-              <a:t>so it sends it to the DMZ 100.39.1.100 which is the IPv4 address of the </a:t>
-            </a:r>
-            <a:r>
-              <a:rPr lang="en-US" dirty="0" smtClean="0"/>
-              <a:t>STC/IXIA  </a:t>
-            </a:r>
-            <a:r>
-              <a:rPr lang="en-US" dirty="0"/>
-              <a:t>UL UE configuration.</a:t>
+              <a:t>The NAT on the UE does not know where to send the traffic.</a:t>
+            </a:r>
+          </a:p>
+          <a:p>
+            <a:r>
+              <a:rPr lang="en-US" dirty="0"/>
+              <a:t>so it sends it to the DMZ 100.39.1.100 which is the IPv4 address of the STC/IXIA  UL UE configuration.</a:t>
             </a:r>
           </a:p>
           <a:p>
@@ -7361,7 +6810,7 @@
           <a:lstStyle/>
           <a:p>
             <a:r>
-              <a:rPr lang="en-US" smtClean="0">
+              <a:rPr lang="en-US">
                 <a:solidFill>
                   <a:srgbClr val="000000"/>
                 </a:solidFill>
@@ -7392,18 +6841,13 @@
           <a:lstStyle/>
           <a:p>
             <a:r>
-              <a:rPr lang="en-US" smtClean="0">
+              <a:rPr lang="en-US">
                 <a:solidFill>
                   <a:srgbClr val="000000"/>
                 </a:solidFill>
               </a:rPr>
               <a:t>Airspan Networks - CONFIDENTIAL</a:t>
             </a:r>
-            <a:endParaRPr lang="en-US">
-              <a:solidFill>
-                <a:srgbClr val="000000"/>
-              </a:solidFill>
-            </a:endParaRPr>
           </a:p>
         </p:txBody>
       </p:sp>
@@ -7453,10 +6897,9 @@
           <a:lstStyle/>
           <a:p>
             <a:r>
-              <a:rPr lang="en-US" dirty="0" smtClean="0"/>
+              <a:rPr lang="en-US" dirty="0"/>
               <a:t>DMZ </a:t>
             </a:r>
-            <a:endParaRPr lang="en-US" dirty="0"/>
           </a:p>
         </p:txBody>
       </p:sp>
@@ -7476,18 +6919,13 @@
           <a:lstStyle/>
           <a:p>
             <a:r>
-              <a:rPr lang="en-US" smtClean="0">
+              <a:rPr lang="en-US">
                 <a:solidFill>
                   <a:srgbClr val="000000"/>
                 </a:solidFill>
               </a:rPr>
               <a:t>Dec 2017</a:t>
             </a:r>
-            <a:endParaRPr lang="en-US">
-              <a:solidFill>
-                <a:srgbClr val="000000"/>
-              </a:solidFill>
-            </a:endParaRPr>
           </a:p>
         </p:txBody>
       </p:sp>
@@ -7507,18 +6945,13 @@
           <a:lstStyle/>
           <a:p>
             <a:r>
-              <a:rPr lang="en-US" smtClean="0">
+              <a:rPr lang="en-US">
                 <a:solidFill>
                   <a:srgbClr val="000000"/>
                 </a:solidFill>
               </a:rPr>
               <a:t>Airspan Networks - CONFIDENTIAL</a:t>
             </a:r>
-            <a:endParaRPr lang="en-US">
-              <a:solidFill>
-                <a:srgbClr val="000000"/>
-              </a:solidFill>
-            </a:endParaRPr>
           </a:p>
         </p:txBody>
       </p:sp>
@@ -7616,10 +7049,9 @@
           <a:lstStyle/>
           <a:p>
             <a:r>
-              <a:rPr lang="en-US" dirty="0" smtClean="0"/>
+              <a:rPr lang="en-US" dirty="0"/>
               <a:t>172.20.61.248 DL Switch STC(0) IXIA(1)</a:t>
             </a:r>
-            <a:endParaRPr lang="en-US" dirty="0"/>
           </a:p>
         </p:txBody>
       </p:sp>
@@ -7665,7 +7097,7 @@
           <a:lstStyle/>
           <a:p>
             <a:r>
-              <a:rPr lang="en-US" smtClean="0">
+              <a:rPr lang="en-US">
                 <a:solidFill>
                   <a:srgbClr val="000000"/>
                 </a:solidFill>
@@ -7696,18 +7128,13 @@
           <a:lstStyle/>
           <a:p>
             <a:r>
-              <a:rPr lang="en-US" smtClean="0">
+              <a:rPr lang="en-US">
                 <a:solidFill>
                   <a:srgbClr val="000000"/>
                 </a:solidFill>
               </a:rPr>
               <a:t>Airspan Networks - CONFIDENTIAL</a:t>
             </a:r>
-            <a:endParaRPr lang="en-US">
-              <a:solidFill>
-                <a:srgbClr val="000000"/>
-              </a:solidFill>
-            </a:endParaRPr>
           </a:p>
         </p:txBody>
       </p:sp>
@@ -7757,10 +7184,9 @@
           <a:lstStyle/>
           <a:p>
             <a:r>
-              <a:rPr lang="en-US" dirty="0" smtClean="0"/>
+              <a:rPr lang="en-US" dirty="0"/>
               <a:t>DL Switch View configuration</a:t>
             </a:r>
-            <a:endParaRPr lang="en-US" dirty="0"/>
           </a:p>
         </p:txBody>
       </p:sp>
@@ -7806,7 +7232,7 @@
           <a:lstStyle/>
           <a:p>
             <a:r>
-              <a:rPr lang="en-US" smtClean="0">
+              <a:rPr lang="en-US">
                 <a:solidFill>
                   <a:srgbClr val="000000"/>
                 </a:solidFill>
@@ -7837,18 +7263,13 @@
           <a:lstStyle/>
           <a:p>
             <a:r>
-              <a:rPr lang="en-US" smtClean="0">
+              <a:rPr lang="en-US">
                 <a:solidFill>
                   <a:srgbClr val="000000"/>
                 </a:solidFill>
               </a:rPr>
               <a:t>Airspan Networks - CONFIDENTIAL</a:t>
             </a:r>
-            <a:endParaRPr lang="en-US">
-              <a:solidFill>
-                <a:srgbClr val="000000"/>
-              </a:solidFill>
-            </a:endParaRPr>
           </a:p>
         </p:txBody>
       </p:sp>
@@ -7898,10 +7319,9 @@
           <a:lstStyle/>
           <a:p>
             <a:r>
-              <a:rPr lang="en-US" dirty="0" smtClean="0"/>
+              <a:rPr lang="en-US" dirty="0"/>
               <a:t>DL SW via SSH</a:t>
             </a:r>
-            <a:endParaRPr lang="en-US" dirty="0"/>
           </a:p>
         </p:txBody>
       </p:sp>
@@ -7947,7 +7367,7 @@
           <a:lstStyle/>
           <a:p>
             <a:r>
-              <a:rPr lang="en-US" smtClean="0">
+              <a:rPr lang="en-US">
                 <a:solidFill>
                   <a:srgbClr val="000000"/>
                 </a:solidFill>
@@ -7978,18 +7398,13 @@
           <a:lstStyle/>
           <a:p>
             <a:r>
-              <a:rPr lang="en-US" smtClean="0">
+              <a:rPr lang="en-US">
                 <a:solidFill>
                   <a:srgbClr val="000000"/>
                 </a:solidFill>
               </a:rPr>
               <a:t>Airspan Networks - CONFIDENTIAL</a:t>
             </a:r>
-            <a:endParaRPr lang="en-US">
-              <a:solidFill>
-                <a:srgbClr val="000000"/>
-              </a:solidFill>
-            </a:endParaRPr>
           </a:p>
         </p:txBody>
       </p:sp>
@@ -8039,20 +7454,8 @@
           <a:lstStyle/>
           <a:p>
             <a:r>
-              <a:rPr lang="en-US" dirty="0" smtClean="0"/>
-              <a:t>172.20.61.249 UL </a:t>
-            </a:r>
-            <a:r>
-              <a:rPr lang="en-US" dirty="0"/>
-              <a:t>Switch </a:t>
-            </a:r>
-            <a:r>
-              <a:rPr lang="en-US" dirty="0" smtClean="0"/>
-              <a:t>STC(0</a:t>
-            </a:r>
-            <a:r>
-              <a:rPr lang="en-US" dirty="0"/>
-              <a:t>) IXIA(1)</a:t>
+              <a:rPr lang="en-US" dirty="0"/>
+              <a:t>172.20.61.249 UL Switch STC(0) IXIA(1)</a:t>
             </a:r>
           </a:p>
         </p:txBody>
@@ -8099,7 +7502,7 @@
           <a:lstStyle/>
           <a:p>
             <a:r>
-              <a:rPr lang="en-US" smtClean="0">
+              <a:rPr lang="en-US">
                 <a:solidFill>
                   <a:srgbClr val="000000"/>
                 </a:solidFill>
@@ -8130,18 +7533,13 @@
           <a:lstStyle/>
           <a:p>
             <a:r>
-              <a:rPr lang="en-US" smtClean="0">
+              <a:rPr lang="en-US">
                 <a:solidFill>
                   <a:srgbClr val="000000"/>
                 </a:solidFill>
               </a:rPr>
               <a:t>Airspan Networks - CONFIDENTIAL</a:t>
             </a:r>
-            <a:endParaRPr lang="en-US">
-              <a:solidFill>
-                <a:srgbClr val="000000"/>
-              </a:solidFill>
-            </a:endParaRPr>
           </a:p>
         </p:txBody>
       </p:sp>
@@ -8191,10 +7589,9 @@
           <a:lstStyle/>
           <a:p>
             <a:r>
-              <a:rPr lang="en-US" dirty="0" smtClean="0"/>
+              <a:rPr lang="en-US" dirty="0"/>
               <a:t>MTU and MSS</a:t>
             </a:r>
-            <a:endParaRPr lang="en-US" dirty="0"/>
           </a:p>
         </p:txBody>
       </p:sp>
@@ -8223,46 +7620,40 @@
               <a:rPr lang="en-US" dirty="0"/>
               <a:t>A maximum transmission unit (MTU) is the largest packet or frame size, specified in octets (eight-bit bytes) that can be sent in a packet- or frame-based network such as the internet. </a:t>
             </a:r>
-            <a:endParaRPr lang="en-US" dirty="0" smtClean="0"/>
-          </a:p>
-          <a:p>
-            <a:r>
-              <a:rPr lang="en-US" dirty="0" smtClean="0"/>
-              <a:t>The </a:t>
-            </a:r>
-            <a:r>
-              <a:rPr lang="en-US" dirty="0"/>
-              <a:t>internet’s transmission control protocol (TCP) uses the MTU to determine the maximum size of each packet in any transmission. </a:t>
-            </a:r>
-            <a:endParaRPr lang="en-US" dirty="0" smtClean="0"/>
+          </a:p>
+          <a:p>
+            <a:r>
+              <a:rPr lang="en-US" dirty="0"/>
+              <a:t>The internet’s transmission control protocol (TCP) uses the MTU to determine the maximum size of each packet in any transmission. </a:t>
+            </a:r>
           </a:p>
           <a:p>
             <a:endParaRPr lang="en-US" dirty="0"/>
           </a:p>
           <a:p>
             <a:r>
-              <a:rPr lang="en-US" dirty="0" smtClean="0"/>
+              <a:rPr lang="en-US" dirty="0"/>
               <a:t>TCP MSS is the payload its self…</a:t>
             </a:r>
           </a:p>
           <a:p>
             <a:r>
-              <a:rPr lang="en-US" dirty="0" smtClean="0"/>
+              <a:rPr lang="en-US" dirty="0"/>
               <a:t>IP MTU / ETH MTU is the payload with TCP header (20 bytes and IP header 20bytes)</a:t>
             </a:r>
           </a:p>
           <a:p>
             <a:r>
-              <a:rPr lang="en-US" dirty="0" smtClean="0"/>
+              <a:rPr lang="en-US" dirty="0"/>
               <a:t>In other words:  MTU= MSS + 40 bytes.</a:t>
             </a:r>
           </a:p>
           <a:p>
-            <a:endParaRPr lang="en-US" dirty="0" smtClean="0"/>
-          </a:p>
-          <a:p>
             <a:endParaRPr lang="en-US" dirty="0"/>
           </a:p>
+          <a:p>
+            <a:endParaRPr lang="en-US" dirty="0"/>
+          </a:p>
         </p:txBody>
       </p:sp>
       <p:sp>
@@ -8281,7 +7672,7 @@
           <a:lstStyle/>
           <a:p>
             <a:r>
-              <a:rPr lang="en-US" smtClean="0">
+              <a:rPr lang="en-US">
                 <a:solidFill>
                   <a:srgbClr val="000000"/>
                 </a:solidFill>
@@ -8312,18 +7703,13 @@
           <a:lstStyle/>
           <a:p>
             <a:r>
-              <a:rPr lang="en-US" smtClean="0">
+              <a:rPr lang="en-US">
                 <a:solidFill>
                   <a:srgbClr val="000000"/>
                 </a:solidFill>
               </a:rPr>
               <a:t>Airspan Networks - CONFIDENTIAL</a:t>
             </a:r>
-            <a:endParaRPr lang="en-US">
-              <a:solidFill>
-                <a:srgbClr val="000000"/>
-              </a:solidFill>
-            </a:endParaRPr>
           </a:p>
         </p:txBody>
       </p:sp>
@@ -8373,10 +7759,9 @@
           <a:lstStyle/>
           <a:p>
             <a:r>
-              <a:rPr lang="en-US" dirty="0" smtClean="0"/>
+              <a:rPr lang="en-US" dirty="0"/>
               <a:t>Example THPT when 64 UEs MSS=128</a:t>
             </a:r>
-            <a:endParaRPr lang="en-US" dirty="0"/>
           </a:p>
         </p:txBody>
       </p:sp>
@@ -8396,7 +7781,7 @@
           <a:lstStyle/>
           <a:p>
             <a:r>
-              <a:rPr lang="en-US" dirty="0" smtClean="0"/>
+              <a:rPr lang="en-US" dirty="0"/>
               <a:t>For example:</a:t>
             </a:r>
           </a:p>
@@ -8408,7 +7793,7 @@
               <a:buNone/>
             </a:pPr>
             <a:r>
-              <a:rPr lang="en-US" dirty="0" smtClean="0"/>
+              <a:rPr lang="en-US" dirty="0"/>
               <a:t>If client MSS=128 =&gt; the server will not sent packets which </a:t>
             </a:r>
           </a:p>
@@ -8417,10 +7802,9 @@
               <a:buNone/>
             </a:pPr>
             <a:r>
-              <a:rPr lang="en-US" dirty="0" smtClean="0"/>
+              <a:rPr lang="en-US" dirty="0"/>
               <a:t>are greater than 128.</a:t>
             </a:r>
-            <a:endParaRPr lang="en-US" dirty="0"/>
           </a:p>
         </p:txBody>
       </p:sp>
@@ -8464,7 +7848,7 @@
           <a:lstStyle/>
           <a:p>
             <a:r>
-              <a:rPr lang="en-US" smtClean="0">
+              <a:rPr lang="en-US">
                 <a:solidFill>
                   <a:srgbClr val="000000"/>
                 </a:solidFill>
@@ -8495,18 +7879,13 @@
           <a:lstStyle/>
           <a:p>
             <a:r>
-              <a:rPr lang="en-US" smtClean="0">
+              <a:rPr lang="en-US">
                 <a:solidFill>
                   <a:srgbClr val="000000"/>
                 </a:solidFill>
               </a:rPr>
               <a:t>Airspan Networks - CONFIDENTIAL</a:t>
             </a:r>
-            <a:endParaRPr lang="en-US">
-              <a:solidFill>
-                <a:srgbClr val="000000"/>
-              </a:solidFill>
-            </a:endParaRPr>
           </a:p>
         </p:txBody>
       </p:sp>
@@ -8557,13 +7936,8 @@
           <a:p>
             <a:r>
               <a:rPr lang="en-US" dirty="0"/>
-              <a:t>Example THPT when 64 UEs </a:t>
-            </a:r>
-            <a:r>
-              <a:rPr lang="en-US" dirty="0" smtClean="0"/>
-              <a:t>MSS=1024</a:t>
-            </a:r>
-            <a:endParaRPr lang="en-US" dirty="0"/>
+              <a:t>Example THPT when 64 UEs MSS=1024</a:t>
+            </a:r>
           </a:p>
         </p:txBody>
       </p:sp>
@@ -8584,19 +7958,7 @@
           <a:p>
             <a:r>
               <a:rPr lang="en-US" dirty="0"/>
-              <a:t>B</a:t>
-            </a:r>
-            <a:r>
-              <a:rPr lang="en-US" dirty="0" smtClean="0"/>
-              <a:t>elow THPT when </a:t>
-            </a:r>
-            <a:r>
-              <a:rPr lang="en-US" dirty="0"/>
-              <a:t>client </a:t>
-            </a:r>
-            <a:r>
-              <a:rPr lang="en-US" dirty="0" smtClean="0"/>
-              <a:t>MSS=1024 :</a:t>
+              <a:t>Below THPT when client MSS=1024 :</a:t>
             </a:r>
           </a:p>
           <a:p>
@@ -8650,7 +8012,7 @@
           <a:lstStyle/>
           <a:p>
             <a:r>
-              <a:rPr lang="en-US" smtClean="0">
+              <a:rPr lang="en-US">
                 <a:solidFill>
                   <a:srgbClr val="000000"/>
                 </a:solidFill>
@@ -8681,18 +8043,13 @@
           <a:lstStyle/>
           <a:p>
             <a:r>
-              <a:rPr lang="en-US" smtClean="0">
+              <a:rPr lang="en-US">
                 <a:solidFill>
                   <a:srgbClr val="000000"/>
                 </a:solidFill>
               </a:rPr>
               <a:t>Airspan Networks - CONFIDENTIAL</a:t>
             </a:r>
-            <a:endParaRPr lang="en-US">
-              <a:solidFill>
-                <a:srgbClr val="000000"/>
-              </a:solidFill>
-            </a:endParaRPr>
           </a:p>
         </p:txBody>
       </p:sp>
@@ -8742,10 +8099,9 @@
           <a:lstStyle/>
           <a:p>
             <a:r>
-              <a:rPr lang="en-US" dirty="0" smtClean="0"/>
+              <a:rPr lang="en-US" dirty="0"/>
               <a:t>IXIA at SVG Lab </a:t>
             </a:r>
-            <a:endParaRPr lang="en-US" dirty="0"/>
           </a:p>
         </p:txBody>
       </p:sp>
@@ -8786,15 +8142,7 @@
           <a:p>
             <a:r>
               <a:rPr lang="en-US" dirty="0"/>
-              <a:t>VERSION 5.10 BIG Chassis and Version 6.60 is for the smaller chassis but with </a:t>
-            </a:r>
-            <a:r>
-              <a:rPr lang="en-US" dirty="0" smtClean="0"/>
-              <a:t>newer </a:t>
-            </a:r>
-            <a:r>
-              <a:rPr lang="en-US" dirty="0"/>
-              <a:t>version, which mostly used for automation. </a:t>
+              <a:t>VERSION 5.10 BIG Chassis and Version 6.60 is for the smaller chassis but with newer version, which mostly used for automation. </a:t>
             </a:r>
           </a:p>
           <a:p>
@@ -8806,63 +8154,48 @@
           <a:p>
             <a:r>
               <a:rPr lang="en-US" dirty="0"/>
-              <a:t>Pls install IXIA :  VERSION 5.10 BIG Chassis</a:t>
-            </a:r>
-            <a:r>
-              <a:rPr lang="en-US" dirty="0" smtClean="0"/>
-              <a:t>.</a:t>
-            </a:r>
+              <a:t>Pls install IXIA :  VERSION 5.10 BIG Chassis.</a:t>
+            </a:r>
+          </a:p>
+          <a:p>
+            <a:r>
+              <a:rPr lang="en-US" dirty="0"/>
+              <a:t>Link to installer  - W:\SVG\3rd Party Elements\Traffic Generators\Ixia Big Chassis</a:t>
+            </a:r>
+          </a:p>
+          <a:p>
+            <a:r>
+              <a:rPr lang="en-US" dirty="0"/>
+              <a:t> </a:t>
+            </a:r>
+          </a:p>
+          <a:p>
+            <a:r>
+              <a:rPr lang="en-US" dirty="0"/>
+              <a:t>IP of chassis – 172.20.61.234</a:t>
+            </a:r>
+          </a:p>
+          <a:p>
+            <a:r>
+              <a:rPr lang="en-US" dirty="0"/>
+              <a:t> </a:t>
+            </a:r>
+          </a:p>
+          <a:p>
+            <a:r>
+              <a:rPr lang="en-US" dirty="0"/>
+              <a:t>Guides:</a:t>
+            </a:r>
+          </a:p>
+          <a:p>
+            <a:r>
+              <a:rPr lang="en-US" dirty="0"/>
+              <a:t>T:\SVG\Training\IxLOAD\L4-L7 TESTING</a:t>
+            </a:r>
+          </a:p>
+          <a:p>
             <a:endParaRPr lang="en-US" dirty="0"/>
           </a:p>
-          <a:p>
-            <a:r>
-              <a:rPr lang="en-US" dirty="0"/>
-              <a:t>Link to installer  - W:\SVG\3rd Party Elements\Traffic Generators\Ixia Big Chassis</a:t>
-            </a:r>
-          </a:p>
-          <a:p>
-            <a:r>
-              <a:rPr lang="en-US" dirty="0"/>
-              <a:t> </a:t>
-            </a:r>
-          </a:p>
-          <a:p>
-            <a:r>
-              <a:rPr lang="en-US" dirty="0"/>
-              <a:t>IP of chassis – 172.20.61.234</a:t>
-            </a:r>
-          </a:p>
-          <a:p>
-            <a:r>
-              <a:rPr lang="en-US" dirty="0"/>
-              <a:t> </a:t>
-            </a:r>
-          </a:p>
-          <a:p>
-            <a:r>
-              <a:rPr lang="en-US" dirty="0"/>
-              <a:t>Guides</a:t>
-            </a:r>
-            <a:r>
-              <a:rPr lang="en-US" dirty="0" smtClean="0"/>
-              <a:t>:</a:t>
-            </a:r>
-            <a:endParaRPr lang="en-US" dirty="0"/>
-          </a:p>
-          <a:p>
-            <a:r>
-              <a:rPr lang="en-US" dirty="0"/>
-              <a:t>T:\SVG\Training\IxLOAD\L4-L7 </a:t>
-            </a:r>
-            <a:r>
-              <a:rPr lang="en-US" dirty="0" smtClean="0"/>
-              <a:t>TESTING</a:t>
-            </a:r>
-            <a:endParaRPr lang="en-US" dirty="0"/>
-          </a:p>
-          <a:p>
-            <a:endParaRPr lang="en-US" dirty="0"/>
-          </a:p>
         </p:txBody>
       </p:sp>
       <p:sp>
@@ -8881,7 +8214,7 @@
           <a:lstStyle/>
           <a:p>
             <a:r>
-              <a:rPr lang="en-US" smtClean="0">
+              <a:rPr lang="en-US">
                 <a:solidFill>
                   <a:srgbClr val="000000"/>
                 </a:solidFill>
@@ -8912,18 +8245,13 @@
           <a:lstStyle/>
           <a:p>
             <a:r>
-              <a:rPr lang="en-US" smtClean="0">
+              <a:rPr lang="en-US">
                 <a:solidFill>
                   <a:srgbClr val="000000"/>
                 </a:solidFill>
               </a:rPr>
               <a:t>Airspan Networks - CONFIDENTIAL</a:t>
             </a:r>
-            <a:endParaRPr lang="en-US">
-              <a:solidFill>
-                <a:srgbClr val="000000"/>
-              </a:solidFill>
-            </a:endParaRPr>
           </a:p>
         </p:txBody>
       </p:sp>
@@ -8973,101 +8301,74 @@
           <a:lstStyle/>
           <a:p>
             <a:r>
-              <a:rPr lang="en-US" dirty="0" smtClean="0"/>
+              <a:rPr lang="en-US" dirty="0"/>
               <a:t>END</a:t>
             </a:r>
+          </a:p>
+        </p:txBody>
+      </p:sp>
+      <p:sp>
+        <p:nvSpPr>
+          <p:cNvPr id="5" name="Content Placeholder 4"/>
+          <p:cNvSpPr>
+            <a:spLocks noGrp="1"/>
+          </p:cNvSpPr>
+          <p:nvPr>
+            <p:ph idx="1"/>
+          </p:nvPr>
+        </p:nvSpPr>
+        <p:spPr/>
+        <p:txBody>
+          <a:bodyPr/>
+          <a:lstStyle/>
+          <a:p>
             <a:endParaRPr lang="en-US" dirty="0"/>
           </a:p>
-        </p:txBody>
-      </p:sp>
-      <p:sp>
-        <p:nvSpPr>
-          <p:cNvPr id="5" name="Content Placeholder 4"/>
-          <p:cNvSpPr>
-            <a:spLocks noGrp="1"/>
-          </p:cNvSpPr>
-          <p:nvPr>
-            <p:ph idx="1"/>
-          </p:nvPr>
-        </p:nvSpPr>
-        <p:spPr/>
-        <p:txBody>
-          <a:bodyPr/>
-          <a:lstStyle/>
-          <a:p>
-            <a:endParaRPr lang="en-US" dirty="0" smtClean="0"/>
-          </a:p>
-          <a:p>
-            <a:r>
-              <a:rPr lang="en-US" dirty="0" smtClean="0"/>
-              <a:t>Thanks </a:t>
-            </a:r>
-            <a:r>
-              <a:rPr lang="en-US" dirty="0" smtClean="0"/>
-              <a:t>for your attention</a:t>
-            </a:r>
-            <a:r>
-              <a:rPr lang="en-US" dirty="0" smtClean="0"/>
-              <a:t>.</a:t>
-            </a:r>
-          </a:p>
-          <a:p>
-            <a:endParaRPr lang="en-US" dirty="0" smtClean="0"/>
-          </a:p>
-          <a:p>
-            <a:r>
-              <a:rPr lang="en-US" dirty="0" smtClean="0"/>
+          <a:p>
+            <a:r>
+              <a:rPr lang="en-US" dirty="0"/>
+              <a:t>Thanks for your attention.</a:t>
+            </a:r>
+          </a:p>
+          <a:p>
+            <a:endParaRPr lang="en-US" dirty="0"/>
+          </a:p>
+          <a:p>
+            <a:r>
+              <a:rPr lang="en-US" dirty="0"/>
               <a:t>Additional info:</a:t>
             </a:r>
           </a:p>
           <a:p>
             <a:r>
-              <a:rPr lang="en-US" dirty="0" smtClean="0"/>
-              <a:t>Guides: T</a:t>
-            </a:r>
-            <a:r>
-              <a:rPr lang="en-US" dirty="0"/>
-              <a:t>:\SVG\Training\IxLOAD\L4-L7 </a:t>
-            </a:r>
-            <a:r>
-              <a:rPr lang="en-US" dirty="0" smtClean="0"/>
-              <a:t>TESTING</a:t>
-            </a:r>
-          </a:p>
-          <a:p>
-            <a:r>
-              <a:rPr lang="en-US" dirty="0" smtClean="0"/>
+              <a:rPr lang="en-US" dirty="0"/>
+              <a:t>Guides: T:\SVG\Training\IxLOAD\L4-L7 TESTING</a:t>
+            </a:r>
+          </a:p>
+          <a:p>
+            <a:r>
+              <a:rPr lang="en-US" dirty="0"/>
               <a:t>IXIA Manuals.</a:t>
             </a:r>
           </a:p>
           <a:p>
-            <a:endParaRPr lang="en-US" dirty="0" smtClean="0"/>
-          </a:p>
-          <a:p>
-            <a:r>
-              <a:rPr lang="en-US" dirty="0" smtClean="0"/>
-              <a:t>For any question:</a:t>
-            </a:r>
-            <a:r>
-              <a:rPr lang="en-US" dirty="0"/>
-              <a:t> </a:t>
-            </a:r>
-            <a:r>
-              <a:rPr lang="en-US" dirty="0" smtClean="0">
+            <a:endParaRPr lang="en-US" dirty="0"/>
+          </a:p>
+          <a:p>
+            <a:r>
+              <a:rPr lang="en-US" dirty="0"/>
+              <a:t>For any question: </a:t>
+            </a:r>
+            <a:r>
+              <a:rPr lang="en-US" dirty="0">
                 <a:hlinkClick r:id="rId2"/>
               </a:rPr>
-              <a:t>tnahmady</a:t>
-            </a:r>
-            <a:r>
-              <a:rPr lang="en-US" dirty="0" smtClean="0">
-                <a:hlinkClick r:id="rId2"/>
-              </a:rPr>
-              <a:t>@Airspan.com</a:t>
-            </a:r>
-            <a:endParaRPr lang="en-US" dirty="0" smtClean="0"/>
-          </a:p>
-          <a:p>
-            <a:endParaRPr lang="en-US" dirty="0" smtClean="0"/>
+              <a:t>tnahmady@Airspan.com</a:t>
+            </a:r>
+            <a:endParaRPr lang="en-US" dirty="0"/>
+          </a:p>
+          <a:p>
+            <a:endParaRPr lang="en-US" dirty="0"/>
           </a:p>
         </p:txBody>
       </p:sp>
@@ -9087,7 +8388,7 @@
           <a:lstStyle/>
           <a:p>
             <a:r>
-              <a:rPr lang="en-US" smtClean="0">
+              <a:rPr lang="en-US">
                 <a:solidFill>
                   <a:srgbClr val="000000"/>
                 </a:solidFill>
@@ -9118,18 +8419,13 @@
           <a:lstStyle/>
           <a:p>
             <a:r>
-              <a:rPr lang="en-US" smtClean="0">
+              <a:rPr lang="en-US">
                 <a:solidFill>
                   <a:srgbClr val="000000"/>
                 </a:solidFill>
               </a:rPr>
               <a:t>Airspan Networks - CONFIDENTIAL</a:t>
             </a:r>
-            <a:endParaRPr lang="en-US">
-              <a:solidFill>
-                <a:srgbClr val="000000"/>
-              </a:solidFill>
-            </a:endParaRPr>
           </a:p>
         </p:txBody>
       </p:sp>
@@ -9179,70 +8475,52 @@
           <a:lstStyle/>
           <a:p>
             <a:r>
-              <a:rPr lang="en-US" dirty="0" smtClean="0"/>
+              <a:rPr lang="en-US" dirty="0"/>
               <a:t>A little bit about TCP </a:t>
             </a:r>
+          </a:p>
+        </p:txBody>
+      </p:sp>
+      <p:sp>
+        <p:nvSpPr>
+          <p:cNvPr id="5" name="Content Placeholder 4"/>
+          <p:cNvSpPr>
+            <a:spLocks noGrp="1"/>
+          </p:cNvSpPr>
+          <p:nvPr>
+            <p:ph idx="1"/>
+          </p:nvPr>
+        </p:nvSpPr>
+        <p:spPr/>
+        <p:txBody>
+          <a:bodyPr/>
+          <a:lstStyle/>
+          <a:p>
+            <a:r>
+              <a:rPr lang="en-US" b="0" dirty="0"/>
+              <a:t>TCP (Transmission Control Protocol) is a connection oriented protocol which means that we keep track of how much data has been transmitted. The sender will transmit some data and the receiver has to acknowledge it. When we don’t receive the acknowledgment in time then the sender will re-transmit the data.</a:t>
+            </a:r>
+          </a:p>
+          <a:p>
+            <a:endParaRPr lang="en-US" b="0" dirty="0"/>
+          </a:p>
+          <a:p>
+            <a:r>
+              <a:rPr lang="en-US" b="0" dirty="0"/>
+              <a:t>3 steps Handshake …</a:t>
+            </a:r>
+          </a:p>
+          <a:p>
+            <a:r>
+              <a:rPr lang="en-US" b="0" dirty="0"/>
+              <a:t>Windows – next slide</a:t>
+            </a:r>
             <a:endParaRPr lang="en-US" dirty="0"/>
           </a:p>
         </p:txBody>
       </p:sp>
       <p:sp>
         <p:nvSpPr>
-          <p:cNvPr id="5" name="Content Placeholder 4"/>
-          <p:cNvSpPr>
-            <a:spLocks noGrp="1"/>
-          </p:cNvSpPr>
-          <p:nvPr>
-            <p:ph idx="1"/>
-          </p:nvPr>
-        </p:nvSpPr>
-        <p:spPr/>
-        <p:txBody>
-          <a:bodyPr/>
-          <a:lstStyle/>
-          <a:p>
-            <a:r>
-              <a:rPr lang="en-US" b="0" dirty="0"/>
-              <a:t>TCP (Transmission Control Protocol) is a connection oriented protocol which means that we keep track of how much data has been transmitted. The sender will transmit some data and the receiver has to acknowledge it. When we don’t receive the acknowledgment in time then </a:t>
-            </a:r>
-            <a:r>
-              <a:rPr lang="en-US" b="0" dirty="0" smtClean="0"/>
-              <a:t>the </a:t>
-            </a:r>
-            <a:r>
-              <a:rPr lang="en-US" b="0" dirty="0"/>
-              <a:t>sender will re-transmit the data</a:t>
-            </a:r>
-            <a:r>
-              <a:rPr lang="en-US" b="0" dirty="0" smtClean="0"/>
-              <a:t>.</a:t>
-            </a:r>
-          </a:p>
-          <a:p>
-            <a:endParaRPr lang="en-US" b="0" dirty="0"/>
-          </a:p>
-          <a:p>
-            <a:r>
-              <a:rPr lang="en-US" b="0" dirty="0" smtClean="0"/>
-              <a:t>3 steps Handshake </a:t>
-            </a:r>
-            <a:r>
-              <a:rPr lang="en-US" b="0" dirty="0" smtClean="0"/>
-              <a:t>…</a:t>
-            </a:r>
-            <a:endParaRPr lang="en-US" b="0" dirty="0" smtClean="0"/>
-          </a:p>
-          <a:p>
-            <a:r>
-              <a:rPr lang="en-US" b="0" dirty="0" smtClean="0"/>
-              <a:t>Windows – next slide</a:t>
-            </a:r>
-            <a:endParaRPr lang="en-US" dirty="0"/>
-          </a:p>
-        </p:txBody>
-      </p:sp>
-      <p:sp>
-        <p:nvSpPr>
           <p:cNvPr id="6" name="Date Placeholder 5"/>
           <p:cNvSpPr>
             <a:spLocks noGrp="1"/>
@@ -9257,7 +8535,7 @@
           <a:lstStyle/>
           <a:p>
             <a:r>
-              <a:rPr lang="en-US" smtClean="0">
+              <a:rPr lang="en-US">
                 <a:solidFill>
                   <a:srgbClr val="000000"/>
                 </a:solidFill>
@@ -9288,18 +8566,13 @@
           <a:lstStyle/>
           <a:p>
             <a:r>
-              <a:rPr lang="en-US" smtClean="0">
+              <a:rPr lang="en-US">
                 <a:solidFill>
                   <a:srgbClr val="000000"/>
                 </a:solidFill>
               </a:rPr>
               <a:t>Airspan Networks - CONFIDENTIAL</a:t>
             </a:r>
-            <a:endParaRPr lang="en-US">
-              <a:solidFill>
-                <a:srgbClr val="000000"/>
-              </a:solidFill>
-            </a:endParaRPr>
           </a:p>
         </p:txBody>
       </p:sp>
@@ -9349,10 +8622,9 @@
           <a:lstStyle/>
           <a:p>
             <a:r>
-              <a:rPr lang="en-US" dirty="0" smtClean="0"/>
+              <a:rPr lang="en-US" dirty="0"/>
               <a:t>TCP Windows</a:t>
             </a:r>
-            <a:endParaRPr lang="en-US" dirty="0"/>
           </a:p>
         </p:txBody>
       </p:sp>
@@ -9375,25 +8647,15 @@
               <a:rPr lang="en-US" b="0" dirty="0"/>
               <a:t>The throughput of a communication is limited by two windows: </a:t>
             </a:r>
-            <a:endParaRPr lang="en-US" b="0" dirty="0" smtClean="0"/>
           </a:p>
           <a:p>
             <a:pPr marL="0" indent="0">
               <a:buNone/>
             </a:pPr>
             <a:r>
-              <a:rPr lang="en-US" b="0" dirty="0" smtClean="0"/>
-              <a:t>	</a:t>
-            </a:r>
-            <a:r>
-              <a:rPr lang="en-US" b="0" dirty="0" smtClean="0"/>
-              <a:t>congestion window.</a:t>
-            </a:r>
-            <a:r>
               <a:rPr lang="en-US" b="0" dirty="0"/>
-              <a:t> </a:t>
-            </a:r>
-            <a:endParaRPr lang="en-US" b="0" dirty="0" smtClean="0"/>
+              <a:t>	congestion window. </a:t>
+            </a:r>
           </a:p>
           <a:p>
             <a:pPr marL="0" indent="0">
@@ -9401,61 +8663,19 @@
             </a:pPr>
             <a:r>
               <a:rPr lang="en-US" b="0" dirty="0"/>
-              <a:t>	</a:t>
-            </a:r>
-            <a:r>
-              <a:rPr lang="en-US" b="0" dirty="0" smtClean="0"/>
-              <a:t>receive </a:t>
-            </a:r>
+              <a:t>	receive window. </a:t>
+            </a:r>
+          </a:p>
+          <a:p>
             <a:r>
               <a:rPr lang="en-US" b="0" dirty="0"/>
-              <a:t>window. </a:t>
-            </a:r>
-            <a:endParaRPr lang="en-US" b="0" dirty="0" smtClean="0"/>
-          </a:p>
-          <a:p>
-            <a:r>
-              <a:rPr lang="en-US" b="0" dirty="0" smtClean="0"/>
-              <a:t>The </a:t>
-            </a:r>
+              <a:t>The congestion window tries not to exceed the capacity of the network (congestion control); </a:t>
+            </a:r>
+          </a:p>
+          <a:p>
             <a:r>
               <a:rPr lang="en-US" b="0" dirty="0"/>
-              <a:t>congestion window tries not to exceed the capacity of the network </a:t>
-            </a:r>
-            <a:r>
-              <a:rPr lang="en-US" b="0" dirty="0" smtClean="0"/>
-              <a:t>(congestion control</a:t>
-            </a:r>
-            <a:r>
-              <a:rPr lang="en-US" b="0" dirty="0" smtClean="0"/>
-              <a:t>); </a:t>
-            </a:r>
-            <a:endParaRPr lang="en-US" b="0" dirty="0" smtClean="0"/>
-          </a:p>
-          <a:p>
-            <a:r>
-              <a:rPr lang="en-US" b="0" dirty="0"/>
-              <a:t>T</a:t>
-            </a:r>
-            <a:r>
-              <a:rPr lang="en-US" b="0" dirty="0" smtClean="0"/>
-              <a:t>he </a:t>
-            </a:r>
-            <a:r>
-              <a:rPr lang="en-US" b="0" dirty="0"/>
-              <a:t>receive window tries not to exceed the capacity of the receiver to process data </a:t>
-            </a:r>
-            <a:r>
-              <a:rPr lang="en-US" b="0" dirty="0" smtClean="0"/>
-              <a:t>(</a:t>
-            </a:r>
-            <a:r>
-              <a:rPr lang="en-US" b="0" dirty="0" smtClean="0"/>
-              <a:t>flow control)</a:t>
-            </a:r>
-            <a:r>
-              <a:rPr lang="en-US" b="0" dirty="0"/>
-              <a:t>.</a:t>
+              <a:t>The receive window tries not to exceed the capacity of the receiver to process data (flow control).</a:t>
             </a:r>
             <a:endParaRPr lang="en-US" dirty="0"/>
           </a:p>
@@ -9477,18 +8697,13 @@
           <a:lstStyle/>
           <a:p>
             <a:r>
-              <a:rPr lang="en-US" smtClean="0">
+              <a:rPr lang="en-US">
                 <a:solidFill>
                   <a:srgbClr val="000000"/>
                 </a:solidFill>
               </a:rPr>
               <a:t>Dec 2017</a:t>
             </a:r>
-            <a:endParaRPr lang="en-US">
-              <a:solidFill>
-                <a:srgbClr val="000000"/>
-              </a:solidFill>
-            </a:endParaRPr>
           </a:p>
         </p:txBody>
       </p:sp>
@@ -9508,18 +8723,13 @@
           <a:lstStyle/>
           <a:p>
             <a:r>
-              <a:rPr lang="en-US" smtClean="0">
+              <a:rPr lang="en-US">
                 <a:solidFill>
                   <a:srgbClr val="000000"/>
                 </a:solidFill>
               </a:rPr>
               <a:t>Airspan Networks - CONFIDENTIAL</a:t>
             </a:r>
-            <a:endParaRPr lang="en-US">
-              <a:solidFill>
-                <a:srgbClr val="000000"/>
-              </a:solidFill>
-            </a:endParaRPr>
           </a:p>
         </p:txBody>
       </p:sp>
@@ -9569,10 +8779,9 @@
           <a:lstStyle/>
           <a:p>
             <a:r>
-              <a:rPr lang="en-US" dirty="0" smtClean="0"/>
+              <a:rPr lang="en-US" dirty="0"/>
               <a:t>Scaling window</a:t>
             </a:r>
-            <a:endParaRPr lang="en-US" dirty="0"/>
           </a:p>
         </p:txBody>
       </p:sp>
@@ -9595,14 +8804,13 @@
               <a:rPr lang="en-US" b="0" dirty="0"/>
               <a:t>Typically the TCP connection will start with a small window size and every time when there is a successful acknowledgement, the window size will increase. </a:t>
             </a:r>
-            <a:endParaRPr lang="en-US" b="0" dirty="0" smtClean="0"/>
           </a:p>
           <a:p>
             <a:endParaRPr lang="en-US" b="0" dirty="0"/>
           </a:p>
           <a:p>
             <a:r>
-              <a:rPr lang="en-US" b="0" dirty="0" smtClean="0"/>
+              <a:rPr lang="en-US" b="0" dirty="0"/>
               <a:t>TCP Slow start …</a:t>
             </a:r>
             <a:endParaRPr lang="en-US" dirty="0"/>
@@ -9625,18 +8833,13 @@
           <a:lstStyle/>
           <a:p>
             <a:r>
-              <a:rPr lang="en-US" smtClean="0">
+              <a:rPr lang="en-US">
                 <a:solidFill>
                   <a:srgbClr val="000000"/>
                 </a:solidFill>
               </a:rPr>
               <a:t>Dec 2017</a:t>
             </a:r>
-            <a:endParaRPr lang="en-US">
-              <a:solidFill>
-                <a:srgbClr val="000000"/>
-              </a:solidFill>
-            </a:endParaRPr>
           </a:p>
         </p:txBody>
       </p:sp>
@@ -9656,18 +8859,13 @@
           <a:lstStyle/>
           <a:p>
             <a:r>
-              <a:rPr lang="en-US" smtClean="0">
+              <a:rPr lang="en-US">
                 <a:solidFill>
                   <a:srgbClr val="000000"/>
                 </a:solidFill>
               </a:rPr>
               <a:t>Airspan Networks - CONFIDENTIAL</a:t>
             </a:r>
-            <a:endParaRPr lang="en-US">
-              <a:solidFill>
-                <a:srgbClr val="000000"/>
-              </a:solidFill>
-            </a:endParaRPr>
           </a:p>
         </p:txBody>
       </p:sp>
@@ -9717,58 +8915,48 @@
           <a:lstStyle/>
           <a:p>
             <a:r>
-              <a:rPr lang="en-US" dirty="0" smtClean="0"/>
+              <a:rPr lang="en-US" dirty="0"/>
               <a:t>Dropped Packet </a:t>
             </a:r>
+          </a:p>
+        </p:txBody>
+      </p:sp>
+      <p:sp>
+        <p:nvSpPr>
+          <p:cNvPr id="6" name="Content Placeholder 5"/>
+          <p:cNvSpPr>
+            <a:spLocks noGrp="1"/>
+          </p:cNvSpPr>
+          <p:nvPr>
+            <p:ph idx="1"/>
+          </p:nvPr>
+        </p:nvSpPr>
+        <p:spPr/>
+        <p:txBody>
+          <a:bodyPr/>
+          <a:lstStyle/>
+          <a:p>
+            <a:r>
+              <a:rPr lang="en-US" b="0" dirty="0"/>
+              <a:t>With TCP slow start, the window size will initially grow exponentially (window size doubles) but once a packet is dropped, the window size will be reduced to one segment. It will then grow exponentially again until the window size is half of what it was when the congestion occurred. At that moment, the window size will grow linearly instead of exponentially.</a:t>
+            </a:r>
+          </a:p>
+          <a:p>
+            <a:endParaRPr lang="en-US" b="0" dirty="0"/>
+          </a:p>
+          <a:p>
+            <a:r>
+              <a:rPr lang="en-US" b="0" dirty="0"/>
+              <a:t>TCP Saw tooth…</a:t>
+            </a:r>
+          </a:p>
+          <a:p>
             <a:endParaRPr lang="en-US" dirty="0"/>
           </a:p>
         </p:txBody>
       </p:sp>
       <p:sp>
         <p:nvSpPr>
-          <p:cNvPr id="6" name="Content Placeholder 5"/>
-          <p:cNvSpPr>
-            <a:spLocks noGrp="1"/>
-          </p:cNvSpPr>
-          <p:nvPr>
-            <p:ph idx="1"/>
-          </p:nvPr>
-        </p:nvSpPr>
-        <p:spPr/>
-        <p:txBody>
-          <a:bodyPr/>
-          <a:lstStyle/>
-          <a:p>
-            <a:r>
-              <a:rPr lang="en-US" b="0" dirty="0"/>
-              <a:t>With TCP slow start, the window size will initially grow exponentially (window size doubles) but once a packet is dropped, the window size will be reduced to one segment. It will then grow exponentially again until the window size is half of what it was when the congestion occurred. At that moment, the window size will grow linearly instead of exponentially</a:t>
-            </a:r>
-            <a:r>
-              <a:rPr lang="en-US" b="0" dirty="0" smtClean="0"/>
-              <a:t>.</a:t>
-            </a:r>
-          </a:p>
-          <a:p>
-            <a:endParaRPr lang="en-US" b="0" dirty="0"/>
-          </a:p>
-          <a:p>
-            <a:r>
-              <a:rPr lang="en-US" b="0" dirty="0" smtClean="0"/>
-              <a:t>TCP </a:t>
-            </a:r>
-            <a:r>
-              <a:rPr lang="en-US" b="0" dirty="0" smtClean="0"/>
-              <a:t>Saw tooth…</a:t>
-            </a:r>
-            <a:endParaRPr lang="en-US" b="0" dirty="0" smtClean="0"/>
-          </a:p>
-          <a:p>
-            <a:endParaRPr lang="en-US" dirty="0"/>
-          </a:p>
-        </p:txBody>
-      </p:sp>
-      <p:sp>
-        <p:nvSpPr>
           <p:cNvPr id="3" name="Date Placeholder 2"/>
           <p:cNvSpPr>
             <a:spLocks noGrp="1"/>
@@ -9783,7 +8971,7 @@
           <a:lstStyle/>
           <a:p>
             <a:r>
-              <a:rPr lang="en-US" smtClean="0">
+              <a:rPr lang="en-US">
                 <a:solidFill>
                   <a:srgbClr val="000000"/>
                 </a:solidFill>
@@ -9814,18 +9002,13 @@
           <a:lstStyle/>
           <a:p>
             <a:r>
-              <a:rPr lang="en-US" smtClean="0">
+              <a:rPr lang="en-US">
                 <a:solidFill>
                   <a:srgbClr val="000000"/>
                 </a:solidFill>
               </a:rPr>
               <a:t>Airspan Networks - CONFIDENTIAL</a:t>
             </a:r>
-            <a:endParaRPr lang="en-US">
-              <a:solidFill>
-                <a:srgbClr val="000000"/>
-              </a:solidFill>
-            </a:endParaRPr>
           </a:p>
         </p:txBody>
       </p:sp>
@@ -9875,14 +9058,9 @@
           <a:lstStyle/>
           <a:p>
             <a:r>
-              <a:rPr lang="en-US" dirty="0" smtClean="0"/>
-              <a:t>IXIA </a:t>
-            </a:r>
-            <a:r>
-              <a:rPr lang="en-US" dirty="0" smtClean="0"/>
-              <a:t>Configuration</a:t>
-            </a:r>
-            <a:endParaRPr lang="en-US" dirty="0"/>
+              <a:rPr lang="en-US" dirty="0"/>
+              <a:t>IXIA Configuration</a:t>
+            </a:r>
           </a:p>
         </p:txBody>
       </p:sp>
@@ -9903,24 +9081,23 @@
           </a:bodyPr>
           <a:lstStyle/>
           <a:p>
-            <a:endParaRPr lang="en-US" dirty="0" smtClean="0"/>
-          </a:p>
-          <a:p>
             <a:endParaRPr lang="en-US" dirty="0"/>
           </a:p>
           <a:p>
-            <a:endParaRPr lang="en-US" dirty="0" smtClean="0"/>
-          </a:p>
-          <a:p>
-            <a:r>
-              <a:rPr lang="en-US" dirty="0" smtClean="0"/>
+            <a:endParaRPr lang="en-US" dirty="0"/>
+          </a:p>
+          <a:p>
+            <a:endParaRPr lang="en-US" dirty="0"/>
+          </a:p>
+          <a:p>
+            <a:r>
+              <a:rPr lang="en-US" dirty="0"/>
               <a:t>IXIA Configuration is according to the following slides.</a:t>
             </a:r>
+          </a:p>
+          <a:p>
             <a:endParaRPr lang="en-US" dirty="0"/>
           </a:p>
-          <a:p>
-            <a:endParaRPr lang="en-US" dirty="0"/>
-          </a:p>
         </p:txBody>
       </p:sp>
       <p:sp>
@@ -9939,7 +9116,7 @@
           <a:lstStyle/>
           <a:p>
             <a:r>
-              <a:rPr lang="en-US" smtClean="0">
+              <a:rPr lang="en-US">
                 <a:solidFill>
                   <a:srgbClr val="000000"/>
                 </a:solidFill>
@@ -9970,18 +9147,13 @@
           <a:lstStyle/>
           <a:p>
             <a:r>
-              <a:rPr lang="en-US" smtClean="0">
+              <a:rPr lang="en-US">
                 <a:solidFill>
                   <a:srgbClr val="000000"/>
                 </a:solidFill>
               </a:rPr>
               <a:t>Airspan Networks - CONFIDENTIAL</a:t>
             </a:r>
-            <a:endParaRPr lang="en-US">
-              <a:solidFill>
-                <a:srgbClr val="000000"/>
-              </a:solidFill>
-            </a:endParaRPr>
           </a:p>
         </p:txBody>
       </p:sp>
